--- a/論文圖表/Solution Approach/syscall manual.pptx
+++ b/論文圖表/Solution Approach/syscall manual.pptx
@@ -2,18 +2,18 @@
 <file path=ppt/presentation.xml><?xml version="1.0" encoding="utf-8"?>
 <p:presentation xmlns:a="http://schemas.openxmlformats.org/drawingml/2006/main" xmlns:r="http://schemas.openxmlformats.org/officeDocument/2006/relationships" xmlns:p="http://schemas.openxmlformats.org/presentationml/2006/main" saveSubsetFonts="1">
   <p:sldMasterIdLst>
-    <p:sldMasterId id="2147483648" r:id="rId1"/>
+    <p:sldMasterId id="2147483684" r:id="rId1"/>
   </p:sldMasterIdLst>
   <p:sldIdLst>
     <p:sldId id="256" r:id="rId2"/>
   </p:sldIdLst>
-  <p:sldSz cx="12192000" cy="6858000"/>
+  <p:sldSz cx="4319588" cy="3600450"/>
   <p:notesSz cx="6858000" cy="9144000"/>
   <p:defaultTextStyle>
     <a:defPPr>
-      <a:defRPr lang="zh-TW"/>
+      <a:defRPr lang="en-US"/>
     </a:defPPr>
-    <a:lvl1pPr marL="0" algn="l" defTabSz="914400" rtl="0" eaLnBrk="1" latinLnBrk="0" hangingPunct="1">
+    <a:lvl1pPr marL="0" algn="l" defTabSz="457200" rtl="0" eaLnBrk="1" latinLnBrk="0" hangingPunct="1">
       <a:defRPr sz="1800" kern="1200">
         <a:solidFill>
           <a:schemeClr val="tx1"/>
@@ -23,7 +23,7 @@
         <a:cs typeface="+mn-cs"/>
       </a:defRPr>
     </a:lvl1pPr>
-    <a:lvl2pPr marL="457200" algn="l" defTabSz="914400" rtl="0" eaLnBrk="1" latinLnBrk="0" hangingPunct="1">
+    <a:lvl2pPr marL="457200" algn="l" defTabSz="457200" rtl="0" eaLnBrk="1" latinLnBrk="0" hangingPunct="1">
       <a:defRPr sz="1800" kern="1200">
         <a:solidFill>
           <a:schemeClr val="tx1"/>
@@ -33,7 +33,7 @@
         <a:cs typeface="+mn-cs"/>
       </a:defRPr>
     </a:lvl2pPr>
-    <a:lvl3pPr marL="914400" algn="l" defTabSz="914400" rtl="0" eaLnBrk="1" latinLnBrk="0" hangingPunct="1">
+    <a:lvl3pPr marL="914400" algn="l" defTabSz="457200" rtl="0" eaLnBrk="1" latinLnBrk="0" hangingPunct="1">
       <a:defRPr sz="1800" kern="1200">
         <a:solidFill>
           <a:schemeClr val="tx1"/>
@@ -43,7 +43,7 @@
         <a:cs typeface="+mn-cs"/>
       </a:defRPr>
     </a:lvl3pPr>
-    <a:lvl4pPr marL="1371600" algn="l" defTabSz="914400" rtl="0" eaLnBrk="1" latinLnBrk="0" hangingPunct="1">
+    <a:lvl4pPr marL="1371600" algn="l" defTabSz="457200" rtl="0" eaLnBrk="1" latinLnBrk="0" hangingPunct="1">
       <a:defRPr sz="1800" kern="1200">
         <a:solidFill>
           <a:schemeClr val="tx1"/>
@@ -53,7 +53,7 @@
         <a:cs typeface="+mn-cs"/>
       </a:defRPr>
     </a:lvl4pPr>
-    <a:lvl5pPr marL="1828800" algn="l" defTabSz="914400" rtl="0" eaLnBrk="1" latinLnBrk="0" hangingPunct="1">
+    <a:lvl5pPr marL="1828800" algn="l" defTabSz="457200" rtl="0" eaLnBrk="1" latinLnBrk="0" hangingPunct="1">
       <a:defRPr sz="1800" kern="1200">
         <a:solidFill>
           <a:schemeClr val="tx1"/>
@@ -63,7 +63,7 @@
         <a:cs typeface="+mn-cs"/>
       </a:defRPr>
     </a:lvl5pPr>
-    <a:lvl6pPr marL="2286000" algn="l" defTabSz="914400" rtl="0" eaLnBrk="1" latinLnBrk="0" hangingPunct="1">
+    <a:lvl6pPr marL="2286000" algn="l" defTabSz="457200" rtl="0" eaLnBrk="1" latinLnBrk="0" hangingPunct="1">
       <a:defRPr sz="1800" kern="1200">
         <a:solidFill>
           <a:schemeClr val="tx1"/>
@@ -73,7 +73,7 @@
         <a:cs typeface="+mn-cs"/>
       </a:defRPr>
     </a:lvl6pPr>
-    <a:lvl7pPr marL="2743200" algn="l" defTabSz="914400" rtl="0" eaLnBrk="1" latinLnBrk="0" hangingPunct="1">
+    <a:lvl7pPr marL="2743200" algn="l" defTabSz="457200" rtl="0" eaLnBrk="1" latinLnBrk="0" hangingPunct="1">
       <a:defRPr sz="1800" kern="1200">
         <a:solidFill>
           <a:schemeClr val="tx1"/>
@@ -83,7 +83,7 @@
         <a:cs typeface="+mn-cs"/>
       </a:defRPr>
     </a:lvl7pPr>
-    <a:lvl8pPr marL="3200400" algn="l" defTabSz="914400" rtl="0" eaLnBrk="1" latinLnBrk="0" hangingPunct="1">
+    <a:lvl8pPr marL="3200400" algn="l" defTabSz="457200" rtl="0" eaLnBrk="1" latinLnBrk="0" hangingPunct="1">
       <a:defRPr sz="1800" kern="1200">
         <a:solidFill>
           <a:schemeClr val="tx1"/>
@@ -93,7 +93,7 @@
         <a:cs typeface="+mn-cs"/>
       </a:defRPr>
     </a:lvl8pPr>
-    <a:lvl9pPr marL="3657600" algn="l" defTabSz="914400" rtl="0" eaLnBrk="1" latinLnBrk="0" hangingPunct="1">
+    <a:lvl9pPr marL="3657600" algn="l" defTabSz="457200" rtl="0" eaLnBrk="1" latinLnBrk="0" hangingPunct="1">
       <a:defRPr sz="1800" kern="1200">
         <a:solidFill>
           <a:schemeClr val="tx1"/>
@@ -131,7 +131,7 @@
       </p:grpSpPr>
       <p:sp>
         <p:nvSpPr>
-          <p:cNvPr id="2" name="標題 1"/>
+          <p:cNvPr id="2" name="Title 1"/>
           <p:cNvSpPr>
             <a:spLocks noGrp="1"/>
           </p:cNvSpPr>
@@ -141,29 +141,29 @@
         </p:nvSpPr>
         <p:spPr>
           <a:xfrm>
-            <a:off x="1524000" y="1122363"/>
-            <a:ext cx="9144000" cy="2387600"/>
+            <a:off x="323969" y="589241"/>
+            <a:ext cx="3671650" cy="1253490"/>
           </a:xfrm>
         </p:spPr>
         <p:txBody>
           <a:bodyPr anchor="b"/>
           <a:lstStyle>
             <a:lvl1pPr algn="ctr">
-              <a:defRPr sz="6000"/>
+              <a:defRPr sz="2834"/>
             </a:lvl1pPr>
           </a:lstStyle>
           <a:p>
             <a:r>
-              <a:rPr lang="zh-TW" altLang="en-US" smtClean="0"/>
+              <a:rPr lang="zh-TW" altLang="en-US"/>
               <a:t>按一下以編輯母片標題樣式</a:t>
             </a:r>
-            <a:endParaRPr lang="zh-TW" altLang="en-US"/>
-          </a:p>
-        </p:txBody>
-      </p:sp>
-      <p:sp>
-        <p:nvSpPr>
-          <p:cNvPr id="3" name="副標題 2"/>
+            <a:endParaRPr lang="en-US" dirty="0"/>
+          </a:p>
+        </p:txBody>
+      </p:sp>
+      <p:sp>
+        <p:nvSpPr>
+          <p:cNvPr id="3" name="Subtitle 2"/>
           <p:cNvSpPr>
             <a:spLocks noGrp="1"/>
           </p:cNvSpPr>
@@ -173,8 +173,8 @@
         </p:nvSpPr>
         <p:spPr>
           <a:xfrm>
-            <a:off x="1524000" y="3602038"/>
-            <a:ext cx="9144000" cy="1655762"/>
+            <a:off x="539949" y="1891070"/>
+            <a:ext cx="3239691" cy="869275"/>
           </a:xfrm>
         </p:spPr>
         <p:txBody>
@@ -182,53 +182,53 @@
           <a:lstStyle>
             <a:lvl1pPr marL="0" indent="0" algn="ctr">
               <a:buNone/>
-              <a:defRPr sz="2400"/>
+              <a:defRPr sz="1134"/>
             </a:lvl1pPr>
-            <a:lvl2pPr marL="457200" indent="0" algn="ctr">
-              <a:buNone/>
-              <a:defRPr sz="2000"/>
+            <a:lvl2pPr marL="215981" indent="0" algn="ctr">
+              <a:buNone/>
+              <a:defRPr sz="945"/>
             </a:lvl2pPr>
-            <a:lvl3pPr marL="914400" indent="0" algn="ctr">
-              <a:buNone/>
-              <a:defRPr sz="1800"/>
+            <a:lvl3pPr marL="431963" indent="0" algn="ctr">
+              <a:buNone/>
+              <a:defRPr sz="850"/>
             </a:lvl3pPr>
-            <a:lvl4pPr marL="1371600" indent="0" algn="ctr">
-              <a:buNone/>
-              <a:defRPr sz="1600"/>
+            <a:lvl4pPr marL="647944" indent="0" algn="ctr">
+              <a:buNone/>
+              <a:defRPr sz="756"/>
             </a:lvl4pPr>
-            <a:lvl5pPr marL="1828800" indent="0" algn="ctr">
-              <a:buNone/>
-              <a:defRPr sz="1600"/>
+            <a:lvl5pPr marL="863925" indent="0" algn="ctr">
+              <a:buNone/>
+              <a:defRPr sz="756"/>
             </a:lvl5pPr>
-            <a:lvl6pPr marL="2286000" indent="0" algn="ctr">
-              <a:buNone/>
-              <a:defRPr sz="1600"/>
+            <a:lvl6pPr marL="1079906" indent="0" algn="ctr">
+              <a:buNone/>
+              <a:defRPr sz="756"/>
             </a:lvl6pPr>
-            <a:lvl7pPr marL="2743200" indent="0" algn="ctr">
-              <a:buNone/>
-              <a:defRPr sz="1600"/>
+            <a:lvl7pPr marL="1295888" indent="0" algn="ctr">
+              <a:buNone/>
+              <a:defRPr sz="756"/>
             </a:lvl7pPr>
-            <a:lvl8pPr marL="3200400" indent="0" algn="ctr">
-              <a:buNone/>
-              <a:defRPr sz="1600"/>
+            <a:lvl8pPr marL="1511869" indent="0" algn="ctr">
+              <a:buNone/>
+              <a:defRPr sz="756"/>
             </a:lvl8pPr>
-            <a:lvl9pPr marL="3657600" indent="0" algn="ctr">
-              <a:buNone/>
-              <a:defRPr sz="1600"/>
+            <a:lvl9pPr marL="1727850" indent="0" algn="ctr">
+              <a:buNone/>
+              <a:defRPr sz="756"/>
             </a:lvl9pPr>
           </a:lstStyle>
           <a:p>
             <a:r>
-              <a:rPr lang="zh-TW" altLang="en-US" smtClean="0"/>
-              <a:t>按一下以編輯母片副標題樣式</a:t>
-            </a:r>
-            <a:endParaRPr lang="zh-TW" altLang="en-US"/>
-          </a:p>
-        </p:txBody>
-      </p:sp>
-      <p:sp>
-        <p:nvSpPr>
-          <p:cNvPr id="4" name="日期版面配置區 3"/>
+              <a:rPr lang="zh-TW" altLang="en-US"/>
+              <a:t>按一下以編輯母片子標題樣式</a:t>
+            </a:r>
+            <a:endParaRPr lang="en-US" dirty="0"/>
+          </a:p>
+        </p:txBody>
+      </p:sp>
+      <p:sp>
+        <p:nvSpPr>
+          <p:cNvPr id="4" name="Date Placeholder 3"/>
           <p:cNvSpPr>
             <a:spLocks noGrp="1"/>
           </p:cNvSpPr>
@@ -251,7 +251,7 @@
       </p:sp>
       <p:sp>
         <p:nvSpPr>
-          <p:cNvPr id="5" name="頁尾版面配置區 4"/>
+          <p:cNvPr id="5" name="Footer Placeholder 4"/>
           <p:cNvSpPr>
             <a:spLocks noGrp="1"/>
           </p:cNvSpPr>
@@ -270,7 +270,7 @@
       </p:sp>
       <p:sp>
         <p:nvSpPr>
-          <p:cNvPr id="6" name="投影片編號版面配置區 5"/>
+          <p:cNvPr id="6" name="Slide Number Placeholder 5"/>
           <p:cNvSpPr>
             <a:spLocks noGrp="1"/>
           </p:cNvSpPr>
@@ -294,7 +294,7 @@
     </p:spTree>
     <p:extLst>
       <p:ext uri="{BB962C8B-B14F-4D97-AF65-F5344CB8AC3E}">
-        <p14:creationId xmlns:p14="http://schemas.microsoft.com/office/powerpoint/2010/main" val="88605245"/>
+        <p14:creationId xmlns:p14="http://schemas.microsoft.com/office/powerpoint/2010/main" val="50472621"/>
       </p:ext>
     </p:extLst>
   </p:cSld>
@@ -323,7 +323,7 @@
       </p:grpSpPr>
       <p:sp>
         <p:nvSpPr>
-          <p:cNvPr id="2" name="標題 1"/>
+          <p:cNvPr id="2" name="Title 1"/>
           <p:cNvSpPr>
             <a:spLocks noGrp="1"/>
           </p:cNvSpPr>
@@ -337,16 +337,16 @@
           <a:lstStyle/>
           <a:p>
             <a:r>
-              <a:rPr lang="zh-TW" altLang="en-US" smtClean="0"/>
+              <a:rPr lang="zh-TW" altLang="en-US"/>
               <a:t>按一下以編輯母片標題樣式</a:t>
             </a:r>
-            <a:endParaRPr lang="zh-TW" altLang="en-US"/>
-          </a:p>
-        </p:txBody>
-      </p:sp>
-      <p:sp>
-        <p:nvSpPr>
-          <p:cNvPr id="3" name="直排文字版面配置區 2"/>
+            <a:endParaRPr lang="en-US" dirty="0"/>
+          </a:p>
+        </p:txBody>
+      </p:sp>
+      <p:sp>
+        <p:nvSpPr>
+          <p:cNvPr id="3" name="Vertical Text Placeholder 2"/>
           <p:cNvSpPr>
             <a:spLocks noGrp="1"/>
           </p:cNvSpPr>
@@ -361,44 +361,44 @@
           <a:p>
             <a:pPr lvl="0"/>
             <a:r>
-              <a:rPr lang="zh-TW" altLang="en-US" smtClean="0"/>
+              <a:rPr lang="zh-TW" altLang="en-US"/>
               <a:t>編輯母片文字樣式</a:t>
             </a:r>
           </a:p>
           <a:p>
             <a:pPr lvl="1"/>
             <a:r>
-              <a:rPr lang="zh-TW" altLang="en-US" smtClean="0"/>
+              <a:rPr lang="zh-TW" altLang="en-US"/>
               <a:t>第二層</a:t>
             </a:r>
           </a:p>
           <a:p>
             <a:pPr lvl="2"/>
             <a:r>
-              <a:rPr lang="zh-TW" altLang="en-US" smtClean="0"/>
+              <a:rPr lang="zh-TW" altLang="en-US"/>
               <a:t>第三層</a:t>
             </a:r>
           </a:p>
           <a:p>
             <a:pPr lvl="3"/>
             <a:r>
-              <a:rPr lang="zh-TW" altLang="en-US" smtClean="0"/>
+              <a:rPr lang="zh-TW" altLang="en-US"/>
               <a:t>第四層</a:t>
             </a:r>
           </a:p>
           <a:p>
             <a:pPr lvl="4"/>
             <a:r>
-              <a:rPr lang="zh-TW" altLang="en-US" smtClean="0"/>
+              <a:rPr lang="zh-TW" altLang="en-US"/>
               <a:t>第五層</a:t>
             </a:r>
-            <a:endParaRPr lang="zh-TW" altLang="en-US"/>
-          </a:p>
-        </p:txBody>
-      </p:sp>
-      <p:sp>
-        <p:nvSpPr>
-          <p:cNvPr id="4" name="日期版面配置區 3"/>
+            <a:endParaRPr lang="en-US" dirty="0"/>
+          </a:p>
+        </p:txBody>
+      </p:sp>
+      <p:sp>
+        <p:nvSpPr>
+          <p:cNvPr id="4" name="Date Placeholder 3"/>
           <p:cNvSpPr>
             <a:spLocks noGrp="1"/>
           </p:cNvSpPr>
@@ -421,7 +421,7 @@
       </p:sp>
       <p:sp>
         <p:nvSpPr>
-          <p:cNvPr id="5" name="頁尾版面配置區 4"/>
+          <p:cNvPr id="5" name="Footer Placeholder 4"/>
           <p:cNvSpPr>
             <a:spLocks noGrp="1"/>
           </p:cNvSpPr>
@@ -440,7 +440,7 @@
       </p:sp>
       <p:sp>
         <p:nvSpPr>
-          <p:cNvPr id="6" name="投影片編號版面配置區 5"/>
+          <p:cNvPr id="6" name="Slide Number Placeholder 5"/>
           <p:cNvSpPr>
             <a:spLocks noGrp="1"/>
           </p:cNvSpPr>
@@ -464,7 +464,7 @@
     </p:spTree>
     <p:extLst>
       <p:ext uri="{BB962C8B-B14F-4D97-AF65-F5344CB8AC3E}">
-        <p14:creationId xmlns:p14="http://schemas.microsoft.com/office/powerpoint/2010/main" val="114637578"/>
+        <p14:creationId xmlns:p14="http://schemas.microsoft.com/office/powerpoint/2010/main" val="3667708193"/>
       </p:ext>
     </p:extLst>
   </p:cSld>
@@ -493,7 +493,7 @@
       </p:grpSpPr>
       <p:sp>
         <p:nvSpPr>
-          <p:cNvPr id="2" name="直排標題 1"/>
+          <p:cNvPr id="2" name="Vertical Title 1"/>
           <p:cNvSpPr>
             <a:spLocks noGrp="1"/>
           </p:cNvSpPr>
@@ -503,8 +503,8 @@
         </p:nvSpPr>
         <p:spPr>
           <a:xfrm>
-            <a:off x="8724900" y="365125"/>
-            <a:ext cx="2628900" cy="5811838"/>
+            <a:off x="3091205" y="191691"/>
+            <a:ext cx="931411" cy="3051215"/>
           </a:xfrm>
         </p:spPr>
         <p:txBody>
@@ -512,16 +512,16 @@
           <a:lstStyle/>
           <a:p>
             <a:r>
-              <a:rPr lang="zh-TW" altLang="en-US" smtClean="0"/>
+              <a:rPr lang="zh-TW" altLang="en-US"/>
               <a:t>按一下以編輯母片標題樣式</a:t>
             </a:r>
-            <a:endParaRPr lang="zh-TW" altLang="en-US"/>
-          </a:p>
-        </p:txBody>
-      </p:sp>
-      <p:sp>
-        <p:nvSpPr>
-          <p:cNvPr id="3" name="直排文字版面配置區 2"/>
+            <a:endParaRPr lang="en-US" dirty="0"/>
+          </a:p>
+        </p:txBody>
+      </p:sp>
+      <p:sp>
+        <p:nvSpPr>
+          <p:cNvPr id="3" name="Vertical Text Placeholder 2"/>
           <p:cNvSpPr>
             <a:spLocks noGrp="1"/>
           </p:cNvSpPr>
@@ -531,8 +531,8 @@
         </p:nvSpPr>
         <p:spPr>
           <a:xfrm>
-            <a:off x="838200" y="365125"/>
-            <a:ext cx="7734300" cy="5811838"/>
+            <a:off x="296972" y="191691"/>
+            <a:ext cx="2740239" cy="3051215"/>
           </a:xfrm>
         </p:spPr>
         <p:txBody>
@@ -541,44 +541,44 @@
           <a:p>
             <a:pPr lvl="0"/>
             <a:r>
-              <a:rPr lang="zh-TW" altLang="en-US" smtClean="0"/>
+              <a:rPr lang="zh-TW" altLang="en-US"/>
               <a:t>編輯母片文字樣式</a:t>
             </a:r>
           </a:p>
           <a:p>
             <a:pPr lvl="1"/>
             <a:r>
-              <a:rPr lang="zh-TW" altLang="en-US" smtClean="0"/>
+              <a:rPr lang="zh-TW" altLang="en-US"/>
               <a:t>第二層</a:t>
             </a:r>
           </a:p>
           <a:p>
             <a:pPr lvl="2"/>
             <a:r>
-              <a:rPr lang="zh-TW" altLang="en-US" smtClean="0"/>
+              <a:rPr lang="zh-TW" altLang="en-US"/>
               <a:t>第三層</a:t>
             </a:r>
           </a:p>
           <a:p>
             <a:pPr lvl="3"/>
             <a:r>
-              <a:rPr lang="zh-TW" altLang="en-US" smtClean="0"/>
+              <a:rPr lang="zh-TW" altLang="en-US"/>
               <a:t>第四層</a:t>
             </a:r>
           </a:p>
           <a:p>
             <a:pPr lvl="4"/>
             <a:r>
-              <a:rPr lang="zh-TW" altLang="en-US" smtClean="0"/>
+              <a:rPr lang="zh-TW" altLang="en-US"/>
               <a:t>第五層</a:t>
             </a:r>
-            <a:endParaRPr lang="zh-TW" altLang="en-US"/>
-          </a:p>
-        </p:txBody>
-      </p:sp>
-      <p:sp>
-        <p:nvSpPr>
-          <p:cNvPr id="4" name="日期版面配置區 3"/>
+            <a:endParaRPr lang="en-US" dirty="0"/>
+          </a:p>
+        </p:txBody>
+      </p:sp>
+      <p:sp>
+        <p:nvSpPr>
+          <p:cNvPr id="4" name="Date Placeholder 3"/>
           <p:cNvSpPr>
             <a:spLocks noGrp="1"/>
           </p:cNvSpPr>
@@ -601,7 +601,7 @@
       </p:sp>
       <p:sp>
         <p:nvSpPr>
-          <p:cNvPr id="5" name="頁尾版面配置區 4"/>
+          <p:cNvPr id="5" name="Footer Placeholder 4"/>
           <p:cNvSpPr>
             <a:spLocks noGrp="1"/>
           </p:cNvSpPr>
@@ -620,7 +620,7 @@
       </p:sp>
       <p:sp>
         <p:nvSpPr>
-          <p:cNvPr id="6" name="投影片編號版面配置區 5"/>
+          <p:cNvPr id="6" name="Slide Number Placeholder 5"/>
           <p:cNvSpPr>
             <a:spLocks noGrp="1"/>
           </p:cNvSpPr>
@@ -644,7 +644,7 @@
     </p:spTree>
     <p:extLst>
       <p:ext uri="{BB962C8B-B14F-4D97-AF65-F5344CB8AC3E}">
-        <p14:creationId xmlns:p14="http://schemas.microsoft.com/office/powerpoint/2010/main" val="3881211878"/>
+        <p14:creationId xmlns:p14="http://schemas.microsoft.com/office/powerpoint/2010/main" val="2331542873"/>
       </p:ext>
     </p:extLst>
   </p:cSld>
@@ -656,7 +656,7 @@
 
 <file path=ppt/slideLayouts/slideLayout2.xml><?xml version="1.0" encoding="utf-8"?>
 <p:sldLayout xmlns:a="http://schemas.openxmlformats.org/drawingml/2006/main" xmlns:r="http://schemas.openxmlformats.org/officeDocument/2006/relationships" xmlns:p="http://schemas.openxmlformats.org/presentationml/2006/main" type="obj" preserve="1">
-  <p:cSld name="標題及物件">
+  <p:cSld name="標題及內容">
     <p:spTree>
       <p:nvGrpSpPr>
         <p:cNvPr id="1" name=""/>
@@ -673,7 +673,7 @@
       </p:grpSpPr>
       <p:sp>
         <p:nvSpPr>
-          <p:cNvPr id="2" name="標題 1"/>
+          <p:cNvPr id="2" name="Title 1"/>
           <p:cNvSpPr>
             <a:spLocks noGrp="1"/>
           </p:cNvSpPr>
@@ -687,16 +687,16 @@
           <a:lstStyle/>
           <a:p>
             <a:r>
-              <a:rPr lang="zh-TW" altLang="en-US" smtClean="0"/>
+              <a:rPr lang="zh-TW" altLang="en-US"/>
               <a:t>按一下以編輯母片標題樣式</a:t>
             </a:r>
-            <a:endParaRPr lang="zh-TW" altLang="en-US"/>
-          </a:p>
-        </p:txBody>
-      </p:sp>
-      <p:sp>
-        <p:nvSpPr>
-          <p:cNvPr id="3" name="內容版面配置區 2"/>
+            <a:endParaRPr lang="en-US" dirty="0"/>
+          </a:p>
+        </p:txBody>
+      </p:sp>
+      <p:sp>
+        <p:nvSpPr>
+          <p:cNvPr id="3" name="Content Placeholder 2"/>
           <p:cNvSpPr>
             <a:spLocks noGrp="1"/>
           </p:cNvSpPr>
@@ -711,44 +711,44 @@
           <a:p>
             <a:pPr lvl="0"/>
             <a:r>
-              <a:rPr lang="zh-TW" altLang="en-US" smtClean="0"/>
+              <a:rPr lang="zh-TW" altLang="en-US"/>
               <a:t>編輯母片文字樣式</a:t>
             </a:r>
           </a:p>
           <a:p>
             <a:pPr lvl="1"/>
             <a:r>
-              <a:rPr lang="zh-TW" altLang="en-US" smtClean="0"/>
+              <a:rPr lang="zh-TW" altLang="en-US"/>
               <a:t>第二層</a:t>
             </a:r>
           </a:p>
           <a:p>
             <a:pPr lvl="2"/>
             <a:r>
-              <a:rPr lang="zh-TW" altLang="en-US" smtClean="0"/>
+              <a:rPr lang="zh-TW" altLang="en-US"/>
               <a:t>第三層</a:t>
             </a:r>
           </a:p>
           <a:p>
             <a:pPr lvl="3"/>
             <a:r>
-              <a:rPr lang="zh-TW" altLang="en-US" smtClean="0"/>
+              <a:rPr lang="zh-TW" altLang="en-US"/>
               <a:t>第四層</a:t>
             </a:r>
           </a:p>
           <a:p>
             <a:pPr lvl="4"/>
             <a:r>
-              <a:rPr lang="zh-TW" altLang="en-US" smtClean="0"/>
+              <a:rPr lang="zh-TW" altLang="en-US"/>
               <a:t>第五層</a:t>
             </a:r>
-            <a:endParaRPr lang="zh-TW" altLang="en-US"/>
-          </a:p>
-        </p:txBody>
-      </p:sp>
-      <p:sp>
-        <p:nvSpPr>
-          <p:cNvPr id="4" name="日期版面配置區 3"/>
+            <a:endParaRPr lang="en-US" dirty="0"/>
+          </a:p>
+        </p:txBody>
+      </p:sp>
+      <p:sp>
+        <p:nvSpPr>
+          <p:cNvPr id="4" name="Date Placeholder 3"/>
           <p:cNvSpPr>
             <a:spLocks noGrp="1"/>
           </p:cNvSpPr>
@@ -771,7 +771,7 @@
       </p:sp>
       <p:sp>
         <p:nvSpPr>
-          <p:cNvPr id="5" name="頁尾版面配置區 4"/>
+          <p:cNvPr id="5" name="Footer Placeholder 4"/>
           <p:cNvSpPr>
             <a:spLocks noGrp="1"/>
           </p:cNvSpPr>
@@ -790,7 +790,7 @@
       </p:sp>
       <p:sp>
         <p:nvSpPr>
-          <p:cNvPr id="6" name="投影片編號版面配置區 5"/>
+          <p:cNvPr id="6" name="Slide Number Placeholder 5"/>
           <p:cNvSpPr>
             <a:spLocks noGrp="1"/>
           </p:cNvSpPr>
@@ -814,7 +814,7 @@
     </p:spTree>
     <p:extLst>
       <p:ext uri="{BB962C8B-B14F-4D97-AF65-F5344CB8AC3E}">
-        <p14:creationId xmlns:p14="http://schemas.microsoft.com/office/powerpoint/2010/main" val="3140668721"/>
+        <p14:creationId xmlns:p14="http://schemas.microsoft.com/office/powerpoint/2010/main" val="3016626938"/>
       </p:ext>
     </p:extLst>
   </p:cSld>
@@ -843,7 +843,7 @@
       </p:grpSpPr>
       <p:sp>
         <p:nvSpPr>
-          <p:cNvPr id="2" name="標題 1"/>
+          <p:cNvPr id="2" name="Title 1"/>
           <p:cNvSpPr>
             <a:spLocks noGrp="1"/>
           </p:cNvSpPr>
@@ -853,29 +853,29 @@
         </p:nvSpPr>
         <p:spPr>
           <a:xfrm>
-            <a:off x="831850" y="1709738"/>
-            <a:ext cx="10515600" cy="2852737"/>
+            <a:off x="294722" y="897613"/>
+            <a:ext cx="3725645" cy="1497687"/>
           </a:xfrm>
         </p:spPr>
         <p:txBody>
           <a:bodyPr anchor="b"/>
           <a:lstStyle>
             <a:lvl1pPr>
-              <a:defRPr sz="6000"/>
+              <a:defRPr sz="2834"/>
             </a:lvl1pPr>
           </a:lstStyle>
           <a:p>
             <a:r>
-              <a:rPr lang="zh-TW" altLang="en-US" smtClean="0"/>
+              <a:rPr lang="zh-TW" altLang="en-US"/>
               <a:t>按一下以編輯母片標題樣式</a:t>
             </a:r>
-            <a:endParaRPr lang="zh-TW" altLang="en-US"/>
-          </a:p>
-        </p:txBody>
-      </p:sp>
-      <p:sp>
-        <p:nvSpPr>
-          <p:cNvPr id="3" name="文字版面配置區 2"/>
+            <a:endParaRPr lang="en-US" dirty="0"/>
+          </a:p>
+        </p:txBody>
+      </p:sp>
+      <p:sp>
+        <p:nvSpPr>
+          <p:cNvPr id="3" name="Text Placeholder 2"/>
           <p:cNvSpPr>
             <a:spLocks noGrp="1"/>
           </p:cNvSpPr>
@@ -885,8 +885,8 @@
         </p:nvSpPr>
         <p:spPr>
           <a:xfrm>
-            <a:off x="831850" y="4589463"/>
-            <a:ext cx="10515600" cy="1500187"/>
+            <a:off x="294722" y="2409469"/>
+            <a:ext cx="3725645" cy="787598"/>
           </a:xfrm>
         </p:spPr>
         <p:txBody>
@@ -894,17 +894,15 @@
           <a:lstStyle>
             <a:lvl1pPr marL="0" indent="0">
               <a:buNone/>
-              <a:defRPr sz="2400">
+              <a:defRPr sz="1134">
                 <a:solidFill>
-                  <a:schemeClr val="tx1">
-                    <a:tint val="75000"/>
-                  </a:schemeClr>
+                  <a:schemeClr val="tx1"/>
                 </a:solidFill>
               </a:defRPr>
             </a:lvl1pPr>
-            <a:lvl2pPr marL="457200" indent="0">
-              <a:buNone/>
-              <a:defRPr sz="2000">
+            <a:lvl2pPr marL="215981" indent="0">
+              <a:buNone/>
+              <a:defRPr sz="945">
                 <a:solidFill>
                   <a:schemeClr val="tx1">
                     <a:tint val="75000"/>
@@ -912,9 +910,9 @@
                 </a:solidFill>
               </a:defRPr>
             </a:lvl2pPr>
-            <a:lvl3pPr marL="914400" indent="0">
-              <a:buNone/>
-              <a:defRPr sz="1800">
+            <a:lvl3pPr marL="431963" indent="0">
+              <a:buNone/>
+              <a:defRPr sz="850">
                 <a:solidFill>
                   <a:schemeClr val="tx1">
                     <a:tint val="75000"/>
@@ -922,9 +920,9 @@
                 </a:solidFill>
               </a:defRPr>
             </a:lvl3pPr>
-            <a:lvl4pPr marL="1371600" indent="0">
-              <a:buNone/>
-              <a:defRPr sz="1600">
+            <a:lvl4pPr marL="647944" indent="0">
+              <a:buNone/>
+              <a:defRPr sz="756">
                 <a:solidFill>
                   <a:schemeClr val="tx1">
                     <a:tint val="75000"/>
@@ -932,9 +930,9 @@
                 </a:solidFill>
               </a:defRPr>
             </a:lvl4pPr>
-            <a:lvl5pPr marL="1828800" indent="0">
-              <a:buNone/>
-              <a:defRPr sz="1600">
+            <a:lvl5pPr marL="863925" indent="0">
+              <a:buNone/>
+              <a:defRPr sz="756">
                 <a:solidFill>
                   <a:schemeClr val="tx1">
                     <a:tint val="75000"/>
@@ -942,9 +940,9 @@
                 </a:solidFill>
               </a:defRPr>
             </a:lvl5pPr>
-            <a:lvl6pPr marL="2286000" indent="0">
-              <a:buNone/>
-              <a:defRPr sz="1600">
+            <a:lvl6pPr marL="1079906" indent="0">
+              <a:buNone/>
+              <a:defRPr sz="756">
                 <a:solidFill>
                   <a:schemeClr val="tx1">
                     <a:tint val="75000"/>
@@ -952,9 +950,9 @@
                 </a:solidFill>
               </a:defRPr>
             </a:lvl6pPr>
-            <a:lvl7pPr marL="2743200" indent="0">
-              <a:buNone/>
-              <a:defRPr sz="1600">
+            <a:lvl7pPr marL="1295888" indent="0">
+              <a:buNone/>
+              <a:defRPr sz="756">
                 <a:solidFill>
                   <a:schemeClr val="tx1">
                     <a:tint val="75000"/>
@@ -962,9 +960,9 @@
                 </a:solidFill>
               </a:defRPr>
             </a:lvl7pPr>
-            <a:lvl8pPr marL="3200400" indent="0">
-              <a:buNone/>
-              <a:defRPr sz="1600">
+            <a:lvl8pPr marL="1511869" indent="0">
+              <a:buNone/>
+              <a:defRPr sz="756">
                 <a:solidFill>
                   <a:schemeClr val="tx1">
                     <a:tint val="75000"/>
@@ -972,9 +970,9 @@
                 </a:solidFill>
               </a:defRPr>
             </a:lvl8pPr>
-            <a:lvl9pPr marL="3657600" indent="0">
-              <a:buNone/>
-              <a:defRPr sz="1600">
+            <a:lvl9pPr marL="1727850" indent="0">
+              <a:buNone/>
+              <a:defRPr sz="756">
                 <a:solidFill>
                   <a:schemeClr val="tx1">
                     <a:tint val="75000"/>
@@ -986,7 +984,7 @@
           <a:p>
             <a:pPr lvl="0"/>
             <a:r>
-              <a:rPr lang="zh-TW" altLang="en-US" smtClean="0"/>
+              <a:rPr lang="zh-TW" altLang="en-US"/>
               <a:t>編輯母片文字樣式</a:t>
             </a:r>
           </a:p>
@@ -994,7 +992,7 @@
       </p:sp>
       <p:sp>
         <p:nvSpPr>
-          <p:cNvPr id="4" name="日期版面配置區 3"/>
+          <p:cNvPr id="4" name="Date Placeholder 3"/>
           <p:cNvSpPr>
             <a:spLocks noGrp="1"/>
           </p:cNvSpPr>
@@ -1017,7 +1015,7 @@
       </p:sp>
       <p:sp>
         <p:nvSpPr>
-          <p:cNvPr id="5" name="頁尾版面配置區 4"/>
+          <p:cNvPr id="5" name="Footer Placeholder 4"/>
           <p:cNvSpPr>
             <a:spLocks noGrp="1"/>
           </p:cNvSpPr>
@@ -1036,7 +1034,7 @@
       </p:sp>
       <p:sp>
         <p:nvSpPr>
-          <p:cNvPr id="6" name="投影片編號版面配置區 5"/>
+          <p:cNvPr id="6" name="Slide Number Placeholder 5"/>
           <p:cNvSpPr>
             <a:spLocks noGrp="1"/>
           </p:cNvSpPr>
@@ -1060,7 +1058,7 @@
     </p:spTree>
     <p:extLst>
       <p:ext uri="{BB962C8B-B14F-4D97-AF65-F5344CB8AC3E}">
-        <p14:creationId xmlns:p14="http://schemas.microsoft.com/office/powerpoint/2010/main" val="1663498503"/>
+        <p14:creationId xmlns:p14="http://schemas.microsoft.com/office/powerpoint/2010/main" val="2777761760"/>
       </p:ext>
     </p:extLst>
   </p:cSld>
@@ -1072,7 +1070,7 @@
 
 <file path=ppt/slideLayouts/slideLayout4.xml><?xml version="1.0" encoding="utf-8"?>
 <p:sldLayout xmlns:a="http://schemas.openxmlformats.org/drawingml/2006/main" xmlns:r="http://schemas.openxmlformats.org/officeDocument/2006/relationships" xmlns:p="http://schemas.openxmlformats.org/presentationml/2006/main" type="twoObj" preserve="1">
-  <p:cSld name="兩項物件">
+  <p:cSld name="兩個內容">
     <p:spTree>
       <p:nvGrpSpPr>
         <p:cNvPr id="1" name=""/>
@@ -1089,7 +1087,7 @@
       </p:grpSpPr>
       <p:sp>
         <p:nvSpPr>
-          <p:cNvPr id="2" name="標題 1"/>
+          <p:cNvPr id="2" name="Title 1"/>
           <p:cNvSpPr>
             <a:spLocks noGrp="1"/>
           </p:cNvSpPr>
@@ -1103,16 +1101,16 @@
           <a:lstStyle/>
           <a:p>
             <a:r>
-              <a:rPr lang="zh-TW" altLang="en-US" smtClean="0"/>
+              <a:rPr lang="zh-TW" altLang="en-US"/>
               <a:t>按一下以編輯母片標題樣式</a:t>
             </a:r>
-            <a:endParaRPr lang="zh-TW" altLang="en-US"/>
-          </a:p>
-        </p:txBody>
-      </p:sp>
-      <p:sp>
-        <p:nvSpPr>
-          <p:cNvPr id="3" name="內容版面配置區 2"/>
+            <a:endParaRPr lang="en-US" dirty="0"/>
+          </a:p>
+        </p:txBody>
+      </p:sp>
+      <p:sp>
+        <p:nvSpPr>
+          <p:cNvPr id="3" name="Content Placeholder 2"/>
           <p:cNvSpPr>
             <a:spLocks noGrp="1"/>
           </p:cNvSpPr>
@@ -1122,8 +1120,8 @@
         </p:nvSpPr>
         <p:spPr>
           <a:xfrm>
-            <a:off x="838200" y="1825625"/>
-            <a:ext cx="5181600" cy="4351338"/>
+            <a:off x="296972" y="958453"/>
+            <a:ext cx="1835825" cy="2284452"/>
           </a:xfrm>
         </p:spPr>
         <p:txBody>
@@ -1132,44 +1130,44 @@
           <a:p>
             <a:pPr lvl="0"/>
             <a:r>
-              <a:rPr lang="zh-TW" altLang="en-US" smtClean="0"/>
+              <a:rPr lang="zh-TW" altLang="en-US"/>
               <a:t>編輯母片文字樣式</a:t>
             </a:r>
           </a:p>
           <a:p>
             <a:pPr lvl="1"/>
             <a:r>
-              <a:rPr lang="zh-TW" altLang="en-US" smtClean="0"/>
+              <a:rPr lang="zh-TW" altLang="en-US"/>
               <a:t>第二層</a:t>
             </a:r>
           </a:p>
           <a:p>
             <a:pPr lvl="2"/>
             <a:r>
-              <a:rPr lang="zh-TW" altLang="en-US" smtClean="0"/>
+              <a:rPr lang="zh-TW" altLang="en-US"/>
               <a:t>第三層</a:t>
             </a:r>
           </a:p>
           <a:p>
             <a:pPr lvl="3"/>
             <a:r>
-              <a:rPr lang="zh-TW" altLang="en-US" smtClean="0"/>
+              <a:rPr lang="zh-TW" altLang="en-US"/>
               <a:t>第四層</a:t>
             </a:r>
           </a:p>
           <a:p>
             <a:pPr lvl="4"/>
             <a:r>
-              <a:rPr lang="zh-TW" altLang="en-US" smtClean="0"/>
+              <a:rPr lang="zh-TW" altLang="en-US"/>
               <a:t>第五層</a:t>
             </a:r>
-            <a:endParaRPr lang="zh-TW" altLang="en-US"/>
-          </a:p>
-        </p:txBody>
-      </p:sp>
-      <p:sp>
-        <p:nvSpPr>
-          <p:cNvPr id="4" name="內容版面配置區 3"/>
+            <a:endParaRPr lang="en-US" dirty="0"/>
+          </a:p>
+        </p:txBody>
+      </p:sp>
+      <p:sp>
+        <p:nvSpPr>
+          <p:cNvPr id="4" name="Content Placeholder 3"/>
           <p:cNvSpPr>
             <a:spLocks noGrp="1"/>
           </p:cNvSpPr>
@@ -1179,8 +1177,8 @@
         </p:nvSpPr>
         <p:spPr>
           <a:xfrm>
-            <a:off x="6172200" y="1825625"/>
-            <a:ext cx="5181600" cy="4351338"/>
+            <a:off x="2186791" y="958453"/>
+            <a:ext cx="1835825" cy="2284452"/>
           </a:xfrm>
         </p:spPr>
         <p:txBody>
@@ -1189,44 +1187,44 @@
           <a:p>
             <a:pPr lvl="0"/>
             <a:r>
-              <a:rPr lang="zh-TW" altLang="en-US" smtClean="0"/>
+              <a:rPr lang="zh-TW" altLang="en-US"/>
               <a:t>編輯母片文字樣式</a:t>
             </a:r>
           </a:p>
           <a:p>
             <a:pPr lvl="1"/>
             <a:r>
-              <a:rPr lang="zh-TW" altLang="en-US" smtClean="0"/>
+              <a:rPr lang="zh-TW" altLang="en-US"/>
               <a:t>第二層</a:t>
             </a:r>
           </a:p>
           <a:p>
             <a:pPr lvl="2"/>
             <a:r>
-              <a:rPr lang="zh-TW" altLang="en-US" smtClean="0"/>
+              <a:rPr lang="zh-TW" altLang="en-US"/>
               <a:t>第三層</a:t>
             </a:r>
           </a:p>
           <a:p>
             <a:pPr lvl="3"/>
             <a:r>
-              <a:rPr lang="zh-TW" altLang="en-US" smtClean="0"/>
+              <a:rPr lang="zh-TW" altLang="en-US"/>
               <a:t>第四層</a:t>
             </a:r>
           </a:p>
           <a:p>
             <a:pPr lvl="4"/>
             <a:r>
-              <a:rPr lang="zh-TW" altLang="en-US" smtClean="0"/>
+              <a:rPr lang="zh-TW" altLang="en-US"/>
               <a:t>第五層</a:t>
             </a:r>
-            <a:endParaRPr lang="zh-TW" altLang="en-US"/>
-          </a:p>
-        </p:txBody>
-      </p:sp>
-      <p:sp>
-        <p:nvSpPr>
-          <p:cNvPr id="5" name="日期版面配置區 4"/>
+            <a:endParaRPr lang="en-US" dirty="0"/>
+          </a:p>
+        </p:txBody>
+      </p:sp>
+      <p:sp>
+        <p:nvSpPr>
+          <p:cNvPr id="5" name="Date Placeholder 4"/>
           <p:cNvSpPr>
             <a:spLocks noGrp="1"/>
           </p:cNvSpPr>
@@ -1249,7 +1247,7 @@
       </p:sp>
       <p:sp>
         <p:nvSpPr>
-          <p:cNvPr id="6" name="頁尾版面配置區 5"/>
+          <p:cNvPr id="6" name="Footer Placeholder 5"/>
           <p:cNvSpPr>
             <a:spLocks noGrp="1"/>
           </p:cNvSpPr>
@@ -1268,7 +1266,7 @@
       </p:sp>
       <p:sp>
         <p:nvSpPr>
-          <p:cNvPr id="7" name="投影片編號版面配置區 6"/>
+          <p:cNvPr id="7" name="Slide Number Placeholder 6"/>
           <p:cNvSpPr>
             <a:spLocks noGrp="1"/>
           </p:cNvSpPr>
@@ -1292,7 +1290,7 @@
     </p:spTree>
     <p:extLst>
       <p:ext uri="{BB962C8B-B14F-4D97-AF65-F5344CB8AC3E}">
-        <p14:creationId xmlns:p14="http://schemas.microsoft.com/office/powerpoint/2010/main" val="99977504"/>
+        <p14:creationId xmlns:p14="http://schemas.microsoft.com/office/powerpoint/2010/main" val="307007559"/>
       </p:ext>
     </p:extLst>
   </p:cSld>
@@ -1304,7 +1302,7 @@
 
 <file path=ppt/slideLayouts/slideLayout5.xml><?xml version="1.0" encoding="utf-8"?>
 <p:sldLayout xmlns:a="http://schemas.openxmlformats.org/drawingml/2006/main" xmlns:r="http://schemas.openxmlformats.org/officeDocument/2006/relationships" xmlns:p="http://schemas.openxmlformats.org/presentationml/2006/main" type="twoTxTwoObj" preserve="1">
-  <p:cSld name="比對">
+  <p:cSld name="比較">
     <p:spTree>
       <p:nvGrpSpPr>
         <p:cNvPr id="1" name=""/>
@@ -1321,7 +1319,7 @@
       </p:grpSpPr>
       <p:sp>
         <p:nvSpPr>
-          <p:cNvPr id="2" name="標題 1"/>
+          <p:cNvPr id="2" name="Title 1"/>
           <p:cNvSpPr>
             <a:spLocks noGrp="1"/>
           </p:cNvSpPr>
@@ -1331,8 +1329,8 @@
         </p:nvSpPr>
         <p:spPr>
           <a:xfrm>
-            <a:off x="839788" y="365125"/>
-            <a:ext cx="10515600" cy="1325563"/>
+            <a:off x="297534" y="191691"/>
+            <a:ext cx="3725645" cy="695921"/>
           </a:xfrm>
         </p:spPr>
         <p:txBody>
@@ -1340,16 +1338,16 @@
           <a:lstStyle/>
           <a:p>
             <a:r>
-              <a:rPr lang="zh-TW" altLang="en-US" smtClean="0"/>
+              <a:rPr lang="zh-TW" altLang="en-US"/>
               <a:t>按一下以編輯母片標題樣式</a:t>
             </a:r>
-            <a:endParaRPr lang="zh-TW" altLang="en-US"/>
-          </a:p>
-        </p:txBody>
-      </p:sp>
-      <p:sp>
-        <p:nvSpPr>
-          <p:cNvPr id="3" name="文字版面配置區 2"/>
+            <a:endParaRPr lang="en-US" dirty="0"/>
+          </a:p>
+        </p:txBody>
+      </p:sp>
+      <p:sp>
+        <p:nvSpPr>
+          <p:cNvPr id="3" name="Text Placeholder 2"/>
           <p:cNvSpPr>
             <a:spLocks noGrp="1"/>
           </p:cNvSpPr>
@@ -1359,8 +1357,8 @@
         </p:nvSpPr>
         <p:spPr>
           <a:xfrm>
-            <a:off x="839788" y="1681163"/>
-            <a:ext cx="5157787" cy="823912"/>
+            <a:off x="297535" y="882610"/>
+            <a:ext cx="1827388" cy="432554"/>
           </a:xfrm>
         </p:spPr>
         <p:txBody>
@@ -1368,45 +1366,45 @@
           <a:lstStyle>
             <a:lvl1pPr marL="0" indent="0">
               <a:buNone/>
-              <a:defRPr sz="2400" b="1"/>
+              <a:defRPr sz="1134" b="1"/>
             </a:lvl1pPr>
-            <a:lvl2pPr marL="457200" indent="0">
-              <a:buNone/>
-              <a:defRPr sz="2000" b="1"/>
+            <a:lvl2pPr marL="215981" indent="0">
+              <a:buNone/>
+              <a:defRPr sz="945" b="1"/>
             </a:lvl2pPr>
-            <a:lvl3pPr marL="914400" indent="0">
-              <a:buNone/>
-              <a:defRPr sz="1800" b="1"/>
+            <a:lvl3pPr marL="431963" indent="0">
+              <a:buNone/>
+              <a:defRPr sz="850" b="1"/>
             </a:lvl3pPr>
-            <a:lvl4pPr marL="1371600" indent="0">
-              <a:buNone/>
-              <a:defRPr sz="1600" b="1"/>
+            <a:lvl4pPr marL="647944" indent="0">
+              <a:buNone/>
+              <a:defRPr sz="756" b="1"/>
             </a:lvl4pPr>
-            <a:lvl5pPr marL="1828800" indent="0">
-              <a:buNone/>
-              <a:defRPr sz="1600" b="1"/>
+            <a:lvl5pPr marL="863925" indent="0">
+              <a:buNone/>
+              <a:defRPr sz="756" b="1"/>
             </a:lvl5pPr>
-            <a:lvl6pPr marL="2286000" indent="0">
-              <a:buNone/>
-              <a:defRPr sz="1600" b="1"/>
+            <a:lvl6pPr marL="1079906" indent="0">
+              <a:buNone/>
+              <a:defRPr sz="756" b="1"/>
             </a:lvl6pPr>
-            <a:lvl7pPr marL="2743200" indent="0">
-              <a:buNone/>
-              <a:defRPr sz="1600" b="1"/>
+            <a:lvl7pPr marL="1295888" indent="0">
+              <a:buNone/>
+              <a:defRPr sz="756" b="1"/>
             </a:lvl7pPr>
-            <a:lvl8pPr marL="3200400" indent="0">
-              <a:buNone/>
-              <a:defRPr sz="1600" b="1"/>
+            <a:lvl8pPr marL="1511869" indent="0">
+              <a:buNone/>
+              <a:defRPr sz="756" b="1"/>
             </a:lvl8pPr>
-            <a:lvl9pPr marL="3657600" indent="0">
-              <a:buNone/>
-              <a:defRPr sz="1600" b="1"/>
+            <a:lvl9pPr marL="1727850" indent="0">
+              <a:buNone/>
+              <a:defRPr sz="756" b="1"/>
             </a:lvl9pPr>
           </a:lstStyle>
           <a:p>
             <a:pPr lvl="0"/>
             <a:r>
-              <a:rPr lang="zh-TW" altLang="en-US" smtClean="0"/>
+              <a:rPr lang="zh-TW" altLang="en-US"/>
               <a:t>編輯母片文字樣式</a:t>
             </a:r>
           </a:p>
@@ -1414,7 +1412,7 @@
       </p:sp>
       <p:sp>
         <p:nvSpPr>
-          <p:cNvPr id="4" name="內容版面配置區 3"/>
+          <p:cNvPr id="4" name="Content Placeholder 3"/>
           <p:cNvSpPr>
             <a:spLocks noGrp="1"/>
           </p:cNvSpPr>
@@ -1424,8 +1422,8 @@
         </p:nvSpPr>
         <p:spPr>
           <a:xfrm>
-            <a:off x="839788" y="2505075"/>
-            <a:ext cx="5157787" cy="3684588"/>
+            <a:off x="297535" y="1315164"/>
+            <a:ext cx="1827388" cy="1934409"/>
           </a:xfrm>
         </p:spPr>
         <p:txBody>
@@ -1434,44 +1432,44 @@
           <a:p>
             <a:pPr lvl="0"/>
             <a:r>
-              <a:rPr lang="zh-TW" altLang="en-US" smtClean="0"/>
+              <a:rPr lang="zh-TW" altLang="en-US"/>
               <a:t>編輯母片文字樣式</a:t>
             </a:r>
           </a:p>
           <a:p>
             <a:pPr lvl="1"/>
             <a:r>
-              <a:rPr lang="zh-TW" altLang="en-US" smtClean="0"/>
+              <a:rPr lang="zh-TW" altLang="en-US"/>
               <a:t>第二層</a:t>
             </a:r>
           </a:p>
           <a:p>
             <a:pPr lvl="2"/>
             <a:r>
-              <a:rPr lang="zh-TW" altLang="en-US" smtClean="0"/>
+              <a:rPr lang="zh-TW" altLang="en-US"/>
               <a:t>第三層</a:t>
             </a:r>
           </a:p>
           <a:p>
             <a:pPr lvl="3"/>
             <a:r>
-              <a:rPr lang="zh-TW" altLang="en-US" smtClean="0"/>
+              <a:rPr lang="zh-TW" altLang="en-US"/>
               <a:t>第四層</a:t>
             </a:r>
           </a:p>
           <a:p>
             <a:pPr lvl="4"/>
             <a:r>
-              <a:rPr lang="zh-TW" altLang="en-US" smtClean="0"/>
+              <a:rPr lang="zh-TW" altLang="en-US"/>
               <a:t>第五層</a:t>
             </a:r>
-            <a:endParaRPr lang="zh-TW" altLang="en-US"/>
-          </a:p>
-        </p:txBody>
-      </p:sp>
-      <p:sp>
-        <p:nvSpPr>
-          <p:cNvPr id="5" name="文字版面配置區 4"/>
+            <a:endParaRPr lang="en-US" dirty="0"/>
+          </a:p>
+        </p:txBody>
+      </p:sp>
+      <p:sp>
+        <p:nvSpPr>
+          <p:cNvPr id="5" name="Text Placeholder 4"/>
           <p:cNvSpPr>
             <a:spLocks noGrp="1"/>
           </p:cNvSpPr>
@@ -1481,8 +1479,8 @@
         </p:nvSpPr>
         <p:spPr>
           <a:xfrm>
-            <a:off x="6172200" y="1681163"/>
-            <a:ext cx="5183188" cy="823912"/>
+            <a:off x="2186791" y="882610"/>
+            <a:ext cx="1836388" cy="432554"/>
           </a:xfrm>
         </p:spPr>
         <p:txBody>
@@ -1490,45 +1488,45 @@
           <a:lstStyle>
             <a:lvl1pPr marL="0" indent="0">
               <a:buNone/>
-              <a:defRPr sz="2400" b="1"/>
+              <a:defRPr sz="1134" b="1"/>
             </a:lvl1pPr>
-            <a:lvl2pPr marL="457200" indent="0">
-              <a:buNone/>
-              <a:defRPr sz="2000" b="1"/>
+            <a:lvl2pPr marL="215981" indent="0">
+              <a:buNone/>
+              <a:defRPr sz="945" b="1"/>
             </a:lvl2pPr>
-            <a:lvl3pPr marL="914400" indent="0">
-              <a:buNone/>
-              <a:defRPr sz="1800" b="1"/>
+            <a:lvl3pPr marL="431963" indent="0">
+              <a:buNone/>
+              <a:defRPr sz="850" b="1"/>
             </a:lvl3pPr>
-            <a:lvl4pPr marL="1371600" indent="0">
-              <a:buNone/>
-              <a:defRPr sz="1600" b="1"/>
+            <a:lvl4pPr marL="647944" indent="0">
+              <a:buNone/>
+              <a:defRPr sz="756" b="1"/>
             </a:lvl4pPr>
-            <a:lvl5pPr marL="1828800" indent="0">
-              <a:buNone/>
-              <a:defRPr sz="1600" b="1"/>
+            <a:lvl5pPr marL="863925" indent="0">
+              <a:buNone/>
+              <a:defRPr sz="756" b="1"/>
             </a:lvl5pPr>
-            <a:lvl6pPr marL="2286000" indent="0">
-              <a:buNone/>
-              <a:defRPr sz="1600" b="1"/>
+            <a:lvl6pPr marL="1079906" indent="0">
+              <a:buNone/>
+              <a:defRPr sz="756" b="1"/>
             </a:lvl6pPr>
-            <a:lvl7pPr marL="2743200" indent="0">
-              <a:buNone/>
-              <a:defRPr sz="1600" b="1"/>
+            <a:lvl7pPr marL="1295888" indent="0">
+              <a:buNone/>
+              <a:defRPr sz="756" b="1"/>
             </a:lvl7pPr>
-            <a:lvl8pPr marL="3200400" indent="0">
-              <a:buNone/>
-              <a:defRPr sz="1600" b="1"/>
+            <a:lvl8pPr marL="1511869" indent="0">
+              <a:buNone/>
+              <a:defRPr sz="756" b="1"/>
             </a:lvl8pPr>
-            <a:lvl9pPr marL="3657600" indent="0">
-              <a:buNone/>
-              <a:defRPr sz="1600" b="1"/>
+            <a:lvl9pPr marL="1727850" indent="0">
+              <a:buNone/>
+              <a:defRPr sz="756" b="1"/>
             </a:lvl9pPr>
           </a:lstStyle>
           <a:p>
             <a:pPr lvl="0"/>
             <a:r>
-              <a:rPr lang="zh-TW" altLang="en-US" smtClean="0"/>
+              <a:rPr lang="zh-TW" altLang="en-US"/>
               <a:t>編輯母片文字樣式</a:t>
             </a:r>
           </a:p>
@@ -1536,7 +1534,7 @@
       </p:sp>
       <p:sp>
         <p:nvSpPr>
-          <p:cNvPr id="6" name="內容版面配置區 5"/>
+          <p:cNvPr id="6" name="Content Placeholder 5"/>
           <p:cNvSpPr>
             <a:spLocks noGrp="1"/>
           </p:cNvSpPr>
@@ -1546,8 +1544,8 @@
         </p:nvSpPr>
         <p:spPr>
           <a:xfrm>
-            <a:off x="6172200" y="2505075"/>
-            <a:ext cx="5183188" cy="3684588"/>
+            <a:off x="2186791" y="1315164"/>
+            <a:ext cx="1836388" cy="1934409"/>
           </a:xfrm>
         </p:spPr>
         <p:txBody>
@@ -1556,44 +1554,44 @@
           <a:p>
             <a:pPr lvl="0"/>
             <a:r>
-              <a:rPr lang="zh-TW" altLang="en-US" smtClean="0"/>
+              <a:rPr lang="zh-TW" altLang="en-US"/>
               <a:t>編輯母片文字樣式</a:t>
             </a:r>
           </a:p>
           <a:p>
             <a:pPr lvl="1"/>
             <a:r>
-              <a:rPr lang="zh-TW" altLang="en-US" smtClean="0"/>
+              <a:rPr lang="zh-TW" altLang="en-US"/>
               <a:t>第二層</a:t>
             </a:r>
           </a:p>
           <a:p>
             <a:pPr lvl="2"/>
             <a:r>
-              <a:rPr lang="zh-TW" altLang="en-US" smtClean="0"/>
+              <a:rPr lang="zh-TW" altLang="en-US"/>
               <a:t>第三層</a:t>
             </a:r>
           </a:p>
           <a:p>
             <a:pPr lvl="3"/>
             <a:r>
-              <a:rPr lang="zh-TW" altLang="en-US" smtClean="0"/>
+              <a:rPr lang="zh-TW" altLang="en-US"/>
               <a:t>第四層</a:t>
             </a:r>
           </a:p>
           <a:p>
             <a:pPr lvl="4"/>
             <a:r>
-              <a:rPr lang="zh-TW" altLang="en-US" smtClean="0"/>
+              <a:rPr lang="zh-TW" altLang="en-US"/>
               <a:t>第五層</a:t>
             </a:r>
-            <a:endParaRPr lang="zh-TW" altLang="en-US"/>
-          </a:p>
-        </p:txBody>
-      </p:sp>
-      <p:sp>
-        <p:nvSpPr>
-          <p:cNvPr id="7" name="日期版面配置區 6"/>
+            <a:endParaRPr lang="en-US" dirty="0"/>
+          </a:p>
+        </p:txBody>
+      </p:sp>
+      <p:sp>
+        <p:nvSpPr>
+          <p:cNvPr id="7" name="Date Placeholder 6"/>
           <p:cNvSpPr>
             <a:spLocks noGrp="1"/>
           </p:cNvSpPr>
@@ -1616,7 +1614,7 @@
       </p:sp>
       <p:sp>
         <p:nvSpPr>
-          <p:cNvPr id="8" name="頁尾版面配置區 7"/>
+          <p:cNvPr id="8" name="Footer Placeholder 7"/>
           <p:cNvSpPr>
             <a:spLocks noGrp="1"/>
           </p:cNvSpPr>
@@ -1635,7 +1633,7 @@
       </p:sp>
       <p:sp>
         <p:nvSpPr>
-          <p:cNvPr id="9" name="投影片編號版面配置區 8"/>
+          <p:cNvPr id="9" name="Slide Number Placeholder 8"/>
           <p:cNvSpPr>
             <a:spLocks noGrp="1"/>
           </p:cNvSpPr>
@@ -1659,7 +1657,7 @@
     </p:spTree>
     <p:extLst>
       <p:ext uri="{BB962C8B-B14F-4D97-AF65-F5344CB8AC3E}">
-        <p14:creationId xmlns:p14="http://schemas.microsoft.com/office/powerpoint/2010/main" val="2779779460"/>
+        <p14:creationId xmlns:p14="http://schemas.microsoft.com/office/powerpoint/2010/main" val="246290380"/>
       </p:ext>
     </p:extLst>
   </p:cSld>
@@ -1688,7 +1686,7 @@
       </p:grpSpPr>
       <p:sp>
         <p:nvSpPr>
-          <p:cNvPr id="2" name="標題 1"/>
+          <p:cNvPr id="2" name="Title 1"/>
           <p:cNvSpPr>
             <a:spLocks noGrp="1"/>
           </p:cNvSpPr>
@@ -1702,16 +1700,16 @@
           <a:lstStyle/>
           <a:p>
             <a:r>
-              <a:rPr lang="zh-TW" altLang="en-US" smtClean="0"/>
+              <a:rPr lang="zh-TW" altLang="en-US"/>
               <a:t>按一下以編輯母片標題樣式</a:t>
             </a:r>
-            <a:endParaRPr lang="zh-TW" altLang="en-US"/>
-          </a:p>
-        </p:txBody>
-      </p:sp>
-      <p:sp>
-        <p:nvSpPr>
-          <p:cNvPr id="3" name="日期版面配置區 2"/>
+            <a:endParaRPr lang="en-US" dirty="0"/>
+          </a:p>
+        </p:txBody>
+      </p:sp>
+      <p:sp>
+        <p:nvSpPr>
+          <p:cNvPr id="3" name="Date Placeholder 2"/>
           <p:cNvSpPr>
             <a:spLocks noGrp="1"/>
           </p:cNvSpPr>
@@ -1734,7 +1732,7 @@
       </p:sp>
       <p:sp>
         <p:nvSpPr>
-          <p:cNvPr id="4" name="頁尾版面配置區 3"/>
+          <p:cNvPr id="4" name="Footer Placeholder 3"/>
           <p:cNvSpPr>
             <a:spLocks noGrp="1"/>
           </p:cNvSpPr>
@@ -1753,7 +1751,7 @@
       </p:sp>
       <p:sp>
         <p:nvSpPr>
-          <p:cNvPr id="5" name="投影片編號版面配置區 4"/>
+          <p:cNvPr id="5" name="Slide Number Placeholder 4"/>
           <p:cNvSpPr>
             <a:spLocks noGrp="1"/>
           </p:cNvSpPr>
@@ -1777,7 +1775,7 @@
     </p:spTree>
     <p:extLst>
       <p:ext uri="{BB962C8B-B14F-4D97-AF65-F5344CB8AC3E}">
-        <p14:creationId xmlns:p14="http://schemas.microsoft.com/office/powerpoint/2010/main" val="3115187359"/>
+        <p14:creationId xmlns:p14="http://schemas.microsoft.com/office/powerpoint/2010/main" val="3807811271"/>
       </p:ext>
     </p:extLst>
   </p:cSld>
@@ -1806,7 +1804,7 @@
       </p:grpSpPr>
       <p:sp>
         <p:nvSpPr>
-          <p:cNvPr id="2" name="日期版面配置區 1"/>
+          <p:cNvPr id="2" name="Date Placeholder 1"/>
           <p:cNvSpPr>
             <a:spLocks noGrp="1"/>
           </p:cNvSpPr>
@@ -1829,7 +1827,7 @@
       </p:sp>
       <p:sp>
         <p:nvSpPr>
-          <p:cNvPr id="3" name="頁尾版面配置區 2"/>
+          <p:cNvPr id="3" name="Footer Placeholder 2"/>
           <p:cNvSpPr>
             <a:spLocks noGrp="1"/>
           </p:cNvSpPr>
@@ -1848,7 +1846,7 @@
       </p:sp>
       <p:sp>
         <p:nvSpPr>
-          <p:cNvPr id="4" name="投影片編號版面配置區 3"/>
+          <p:cNvPr id="4" name="Slide Number Placeholder 3"/>
           <p:cNvSpPr>
             <a:spLocks noGrp="1"/>
           </p:cNvSpPr>
@@ -1872,7 +1870,7 @@
     </p:spTree>
     <p:extLst>
       <p:ext uri="{BB962C8B-B14F-4D97-AF65-F5344CB8AC3E}">
-        <p14:creationId xmlns:p14="http://schemas.microsoft.com/office/powerpoint/2010/main" val="4182558679"/>
+        <p14:creationId xmlns:p14="http://schemas.microsoft.com/office/powerpoint/2010/main" val="2624349982"/>
       </p:ext>
     </p:extLst>
   </p:cSld>
@@ -1901,7 +1899,7 @@
       </p:grpSpPr>
       <p:sp>
         <p:nvSpPr>
-          <p:cNvPr id="2" name="標題 1"/>
+          <p:cNvPr id="2" name="Title 1"/>
           <p:cNvSpPr>
             <a:spLocks noGrp="1"/>
           </p:cNvSpPr>
@@ -1911,29 +1909,29 @@
         </p:nvSpPr>
         <p:spPr>
           <a:xfrm>
-            <a:off x="839788" y="457200"/>
-            <a:ext cx="3932237" cy="1600200"/>
+            <a:off x="297534" y="240030"/>
+            <a:ext cx="1393180" cy="840105"/>
           </a:xfrm>
         </p:spPr>
         <p:txBody>
           <a:bodyPr anchor="b"/>
           <a:lstStyle>
             <a:lvl1pPr>
-              <a:defRPr sz="3200"/>
+              <a:defRPr sz="1512"/>
             </a:lvl1pPr>
           </a:lstStyle>
           <a:p>
             <a:r>
-              <a:rPr lang="zh-TW" altLang="en-US" smtClean="0"/>
+              <a:rPr lang="zh-TW" altLang="en-US"/>
               <a:t>按一下以編輯母片標題樣式</a:t>
             </a:r>
-            <a:endParaRPr lang="zh-TW" altLang="en-US"/>
-          </a:p>
-        </p:txBody>
-      </p:sp>
-      <p:sp>
-        <p:nvSpPr>
-          <p:cNvPr id="3" name="內容版面配置區 2"/>
+            <a:endParaRPr lang="en-US" dirty="0"/>
+          </a:p>
+        </p:txBody>
+      </p:sp>
+      <p:sp>
+        <p:nvSpPr>
+          <p:cNvPr id="3" name="Content Placeholder 2"/>
           <p:cNvSpPr>
             <a:spLocks noGrp="1"/>
           </p:cNvSpPr>
@@ -1943,82 +1941,82 @@
         </p:nvSpPr>
         <p:spPr>
           <a:xfrm>
-            <a:off x="5183188" y="987425"/>
-            <a:ext cx="6172200" cy="4873625"/>
+            <a:off x="1836388" y="518399"/>
+            <a:ext cx="2186791" cy="2558653"/>
           </a:xfrm>
         </p:spPr>
         <p:txBody>
           <a:bodyPr/>
           <a:lstStyle>
             <a:lvl1pPr>
-              <a:defRPr sz="3200"/>
+              <a:defRPr sz="1512"/>
             </a:lvl1pPr>
             <a:lvl2pPr>
-              <a:defRPr sz="2800"/>
+              <a:defRPr sz="1323"/>
             </a:lvl2pPr>
             <a:lvl3pPr>
-              <a:defRPr sz="2400"/>
+              <a:defRPr sz="1134"/>
             </a:lvl3pPr>
             <a:lvl4pPr>
-              <a:defRPr sz="2000"/>
+              <a:defRPr sz="945"/>
             </a:lvl4pPr>
             <a:lvl5pPr>
-              <a:defRPr sz="2000"/>
+              <a:defRPr sz="945"/>
             </a:lvl5pPr>
             <a:lvl6pPr>
-              <a:defRPr sz="2000"/>
+              <a:defRPr sz="945"/>
             </a:lvl6pPr>
             <a:lvl7pPr>
-              <a:defRPr sz="2000"/>
+              <a:defRPr sz="945"/>
             </a:lvl7pPr>
             <a:lvl8pPr>
-              <a:defRPr sz="2000"/>
+              <a:defRPr sz="945"/>
             </a:lvl8pPr>
             <a:lvl9pPr>
-              <a:defRPr sz="2000"/>
+              <a:defRPr sz="945"/>
             </a:lvl9pPr>
           </a:lstStyle>
           <a:p>
             <a:pPr lvl="0"/>
             <a:r>
-              <a:rPr lang="zh-TW" altLang="en-US" smtClean="0"/>
+              <a:rPr lang="zh-TW" altLang="en-US"/>
               <a:t>編輯母片文字樣式</a:t>
             </a:r>
           </a:p>
           <a:p>
             <a:pPr lvl="1"/>
             <a:r>
-              <a:rPr lang="zh-TW" altLang="en-US" smtClean="0"/>
+              <a:rPr lang="zh-TW" altLang="en-US"/>
               <a:t>第二層</a:t>
             </a:r>
           </a:p>
           <a:p>
             <a:pPr lvl="2"/>
             <a:r>
-              <a:rPr lang="zh-TW" altLang="en-US" smtClean="0"/>
+              <a:rPr lang="zh-TW" altLang="en-US"/>
               <a:t>第三層</a:t>
             </a:r>
           </a:p>
           <a:p>
             <a:pPr lvl="3"/>
             <a:r>
-              <a:rPr lang="zh-TW" altLang="en-US" smtClean="0"/>
+              <a:rPr lang="zh-TW" altLang="en-US"/>
               <a:t>第四層</a:t>
             </a:r>
           </a:p>
           <a:p>
             <a:pPr lvl="4"/>
             <a:r>
-              <a:rPr lang="zh-TW" altLang="en-US" smtClean="0"/>
+              <a:rPr lang="zh-TW" altLang="en-US"/>
               <a:t>第五層</a:t>
             </a:r>
-            <a:endParaRPr lang="zh-TW" altLang="en-US"/>
-          </a:p>
-        </p:txBody>
-      </p:sp>
-      <p:sp>
-        <p:nvSpPr>
-          <p:cNvPr id="4" name="文字版面配置區 3"/>
+            <a:endParaRPr lang="en-US" dirty="0"/>
+          </a:p>
+        </p:txBody>
+      </p:sp>
+      <p:sp>
+        <p:nvSpPr>
+          <p:cNvPr id="4" name="Text Placeholder 3"/>
           <p:cNvSpPr>
             <a:spLocks noGrp="1"/>
           </p:cNvSpPr>
@@ -2028,8 +2026,8 @@
         </p:nvSpPr>
         <p:spPr>
           <a:xfrm>
-            <a:off x="839788" y="2057400"/>
-            <a:ext cx="3932237" cy="3811588"/>
+            <a:off x="297534" y="1080135"/>
+            <a:ext cx="1393180" cy="2001084"/>
           </a:xfrm>
         </p:spPr>
         <p:txBody>
@@ -2037,45 +2035,45 @@
           <a:lstStyle>
             <a:lvl1pPr marL="0" indent="0">
               <a:buNone/>
-              <a:defRPr sz="1600"/>
+              <a:defRPr sz="756"/>
             </a:lvl1pPr>
-            <a:lvl2pPr marL="457200" indent="0">
-              <a:buNone/>
-              <a:defRPr sz="1400"/>
+            <a:lvl2pPr marL="215981" indent="0">
+              <a:buNone/>
+              <a:defRPr sz="661"/>
             </a:lvl2pPr>
-            <a:lvl3pPr marL="914400" indent="0">
-              <a:buNone/>
-              <a:defRPr sz="1200"/>
+            <a:lvl3pPr marL="431963" indent="0">
+              <a:buNone/>
+              <a:defRPr sz="567"/>
             </a:lvl3pPr>
-            <a:lvl4pPr marL="1371600" indent="0">
-              <a:buNone/>
-              <a:defRPr sz="1000"/>
+            <a:lvl4pPr marL="647944" indent="0">
+              <a:buNone/>
+              <a:defRPr sz="472"/>
             </a:lvl4pPr>
-            <a:lvl5pPr marL="1828800" indent="0">
-              <a:buNone/>
-              <a:defRPr sz="1000"/>
+            <a:lvl5pPr marL="863925" indent="0">
+              <a:buNone/>
+              <a:defRPr sz="472"/>
             </a:lvl5pPr>
-            <a:lvl6pPr marL="2286000" indent="0">
-              <a:buNone/>
-              <a:defRPr sz="1000"/>
+            <a:lvl6pPr marL="1079906" indent="0">
+              <a:buNone/>
+              <a:defRPr sz="472"/>
             </a:lvl6pPr>
-            <a:lvl7pPr marL="2743200" indent="0">
-              <a:buNone/>
-              <a:defRPr sz="1000"/>
+            <a:lvl7pPr marL="1295888" indent="0">
+              <a:buNone/>
+              <a:defRPr sz="472"/>
             </a:lvl7pPr>
-            <a:lvl8pPr marL="3200400" indent="0">
-              <a:buNone/>
-              <a:defRPr sz="1000"/>
+            <a:lvl8pPr marL="1511869" indent="0">
+              <a:buNone/>
+              <a:defRPr sz="472"/>
             </a:lvl8pPr>
-            <a:lvl9pPr marL="3657600" indent="0">
-              <a:buNone/>
-              <a:defRPr sz="1000"/>
+            <a:lvl9pPr marL="1727850" indent="0">
+              <a:buNone/>
+              <a:defRPr sz="472"/>
             </a:lvl9pPr>
           </a:lstStyle>
           <a:p>
             <a:pPr lvl="0"/>
             <a:r>
-              <a:rPr lang="zh-TW" altLang="en-US" smtClean="0"/>
+              <a:rPr lang="zh-TW" altLang="en-US"/>
               <a:t>編輯母片文字樣式</a:t>
             </a:r>
           </a:p>
@@ -2083,7 +2081,7 @@
       </p:sp>
       <p:sp>
         <p:nvSpPr>
-          <p:cNvPr id="5" name="日期版面配置區 4"/>
+          <p:cNvPr id="5" name="Date Placeholder 4"/>
           <p:cNvSpPr>
             <a:spLocks noGrp="1"/>
           </p:cNvSpPr>
@@ -2106,7 +2104,7 @@
       </p:sp>
       <p:sp>
         <p:nvSpPr>
-          <p:cNvPr id="6" name="頁尾版面配置區 5"/>
+          <p:cNvPr id="6" name="Footer Placeholder 5"/>
           <p:cNvSpPr>
             <a:spLocks noGrp="1"/>
           </p:cNvSpPr>
@@ -2125,7 +2123,7 @@
       </p:sp>
       <p:sp>
         <p:nvSpPr>
-          <p:cNvPr id="7" name="投影片編號版面配置區 6"/>
+          <p:cNvPr id="7" name="Slide Number Placeholder 6"/>
           <p:cNvSpPr>
             <a:spLocks noGrp="1"/>
           </p:cNvSpPr>
@@ -2149,7 +2147,7 @@
     </p:spTree>
     <p:extLst>
       <p:ext uri="{BB962C8B-B14F-4D97-AF65-F5344CB8AC3E}">
-        <p14:creationId xmlns:p14="http://schemas.microsoft.com/office/powerpoint/2010/main" val="1418796441"/>
+        <p14:creationId xmlns:p14="http://schemas.microsoft.com/office/powerpoint/2010/main" val="1640669069"/>
       </p:ext>
     </p:extLst>
   </p:cSld>
@@ -2178,7 +2176,7 @@
       </p:grpSpPr>
       <p:sp>
         <p:nvSpPr>
-          <p:cNvPr id="2" name="標題 1"/>
+          <p:cNvPr id="2" name="Title 1"/>
           <p:cNvSpPr>
             <a:spLocks noGrp="1"/>
           </p:cNvSpPr>
@@ -2188,31 +2186,31 @@
         </p:nvSpPr>
         <p:spPr>
           <a:xfrm>
-            <a:off x="839788" y="457200"/>
-            <a:ext cx="3932237" cy="1600200"/>
+            <a:off x="297534" y="240030"/>
+            <a:ext cx="1393180" cy="840105"/>
           </a:xfrm>
         </p:spPr>
         <p:txBody>
           <a:bodyPr anchor="b"/>
           <a:lstStyle>
             <a:lvl1pPr>
-              <a:defRPr sz="3200"/>
+              <a:defRPr sz="1512"/>
             </a:lvl1pPr>
           </a:lstStyle>
           <a:p>
             <a:r>
-              <a:rPr lang="zh-TW" altLang="en-US" smtClean="0"/>
+              <a:rPr lang="zh-TW" altLang="en-US"/>
               <a:t>按一下以編輯母片標題樣式</a:t>
             </a:r>
-            <a:endParaRPr lang="zh-TW" altLang="en-US"/>
-          </a:p>
-        </p:txBody>
-      </p:sp>
-      <p:sp>
-        <p:nvSpPr>
-          <p:cNvPr id="3" name="圖片版面配置區 2"/>
-          <p:cNvSpPr>
-            <a:spLocks noGrp="1"/>
+            <a:endParaRPr lang="en-US" dirty="0"/>
+          </a:p>
+        </p:txBody>
+      </p:sp>
+      <p:sp>
+        <p:nvSpPr>
+          <p:cNvPr id="3" name="Picture Placeholder 2"/>
+          <p:cNvSpPr>
+            <a:spLocks noGrp="1" noChangeAspect="1"/>
           </p:cNvSpPr>
           <p:nvPr>
             <p:ph type="pic" idx="1"/>
@@ -2220,58 +2218,62 @@
         </p:nvSpPr>
         <p:spPr>
           <a:xfrm>
-            <a:off x="5183188" y="987425"/>
-            <a:ext cx="6172200" cy="4873625"/>
+            <a:off x="1836388" y="518399"/>
+            <a:ext cx="2186791" cy="2558653"/>
           </a:xfrm>
         </p:spPr>
         <p:txBody>
-          <a:bodyPr/>
+          <a:bodyPr anchor="t"/>
           <a:lstStyle>
             <a:lvl1pPr marL="0" indent="0">
               <a:buNone/>
-              <a:defRPr sz="3200"/>
+              <a:defRPr sz="1512"/>
             </a:lvl1pPr>
-            <a:lvl2pPr marL="457200" indent="0">
-              <a:buNone/>
-              <a:defRPr sz="2800"/>
+            <a:lvl2pPr marL="215981" indent="0">
+              <a:buNone/>
+              <a:defRPr sz="1323"/>
             </a:lvl2pPr>
-            <a:lvl3pPr marL="914400" indent="0">
-              <a:buNone/>
-              <a:defRPr sz="2400"/>
+            <a:lvl3pPr marL="431963" indent="0">
+              <a:buNone/>
+              <a:defRPr sz="1134"/>
             </a:lvl3pPr>
-            <a:lvl4pPr marL="1371600" indent="0">
-              <a:buNone/>
-              <a:defRPr sz="2000"/>
+            <a:lvl4pPr marL="647944" indent="0">
+              <a:buNone/>
+              <a:defRPr sz="945"/>
             </a:lvl4pPr>
-            <a:lvl5pPr marL="1828800" indent="0">
-              <a:buNone/>
-              <a:defRPr sz="2000"/>
+            <a:lvl5pPr marL="863925" indent="0">
+              <a:buNone/>
+              <a:defRPr sz="945"/>
             </a:lvl5pPr>
-            <a:lvl6pPr marL="2286000" indent="0">
-              <a:buNone/>
-              <a:defRPr sz="2000"/>
+            <a:lvl6pPr marL="1079906" indent="0">
+              <a:buNone/>
+              <a:defRPr sz="945"/>
             </a:lvl6pPr>
-            <a:lvl7pPr marL="2743200" indent="0">
-              <a:buNone/>
-              <a:defRPr sz="2000"/>
+            <a:lvl7pPr marL="1295888" indent="0">
+              <a:buNone/>
+              <a:defRPr sz="945"/>
             </a:lvl7pPr>
-            <a:lvl8pPr marL="3200400" indent="0">
-              <a:buNone/>
-              <a:defRPr sz="2000"/>
+            <a:lvl8pPr marL="1511869" indent="0">
+              <a:buNone/>
+              <a:defRPr sz="945"/>
             </a:lvl8pPr>
-            <a:lvl9pPr marL="3657600" indent="0">
-              <a:buNone/>
-              <a:defRPr sz="2000"/>
+            <a:lvl9pPr marL="1727850" indent="0">
+              <a:buNone/>
+              <a:defRPr sz="945"/>
             </a:lvl9pPr>
           </a:lstStyle>
           <a:p>
-            <a:endParaRPr lang="zh-TW" altLang="en-US"/>
-          </a:p>
-        </p:txBody>
-      </p:sp>
-      <p:sp>
-        <p:nvSpPr>
-          <p:cNvPr id="4" name="文字版面配置區 3"/>
+            <a:r>
+              <a:rPr lang="zh-TW" altLang="en-US"/>
+              <a:t>按一下圖示以新增圖片</a:t>
+            </a:r>
+            <a:endParaRPr lang="en-US" dirty="0"/>
+          </a:p>
+        </p:txBody>
+      </p:sp>
+      <p:sp>
+        <p:nvSpPr>
+          <p:cNvPr id="4" name="Text Placeholder 3"/>
           <p:cNvSpPr>
             <a:spLocks noGrp="1"/>
           </p:cNvSpPr>
@@ -2281,8 +2283,8 @@
         </p:nvSpPr>
         <p:spPr>
           <a:xfrm>
-            <a:off x="839788" y="2057400"/>
-            <a:ext cx="3932237" cy="3811588"/>
+            <a:off x="297534" y="1080135"/>
+            <a:ext cx="1393180" cy="2001084"/>
           </a:xfrm>
         </p:spPr>
         <p:txBody>
@@ -2290,45 +2292,45 @@
           <a:lstStyle>
             <a:lvl1pPr marL="0" indent="0">
               <a:buNone/>
-              <a:defRPr sz="1600"/>
+              <a:defRPr sz="756"/>
             </a:lvl1pPr>
-            <a:lvl2pPr marL="457200" indent="0">
-              <a:buNone/>
-              <a:defRPr sz="1400"/>
+            <a:lvl2pPr marL="215981" indent="0">
+              <a:buNone/>
+              <a:defRPr sz="661"/>
             </a:lvl2pPr>
-            <a:lvl3pPr marL="914400" indent="0">
-              <a:buNone/>
-              <a:defRPr sz="1200"/>
+            <a:lvl3pPr marL="431963" indent="0">
+              <a:buNone/>
+              <a:defRPr sz="567"/>
             </a:lvl3pPr>
-            <a:lvl4pPr marL="1371600" indent="0">
-              <a:buNone/>
-              <a:defRPr sz="1000"/>
+            <a:lvl4pPr marL="647944" indent="0">
+              <a:buNone/>
+              <a:defRPr sz="472"/>
             </a:lvl4pPr>
-            <a:lvl5pPr marL="1828800" indent="0">
-              <a:buNone/>
-              <a:defRPr sz="1000"/>
+            <a:lvl5pPr marL="863925" indent="0">
+              <a:buNone/>
+              <a:defRPr sz="472"/>
             </a:lvl5pPr>
-            <a:lvl6pPr marL="2286000" indent="0">
-              <a:buNone/>
-              <a:defRPr sz="1000"/>
+            <a:lvl6pPr marL="1079906" indent="0">
+              <a:buNone/>
+              <a:defRPr sz="472"/>
             </a:lvl6pPr>
-            <a:lvl7pPr marL="2743200" indent="0">
-              <a:buNone/>
-              <a:defRPr sz="1000"/>
+            <a:lvl7pPr marL="1295888" indent="0">
+              <a:buNone/>
+              <a:defRPr sz="472"/>
             </a:lvl7pPr>
-            <a:lvl8pPr marL="3200400" indent="0">
-              <a:buNone/>
-              <a:defRPr sz="1000"/>
+            <a:lvl8pPr marL="1511869" indent="0">
+              <a:buNone/>
+              <a:defRPr sz="472"/>
             </a:lvl8pPr>
-            <a:lvl9pPr marL="3657600" indent="0">
-              <a:buNone/>
-              <a:defRPr sz="1000"/>
+            <a:lvl9pPr marL="1727850" indent="0">
+              <a:buNone/>
+              <a:defRPr sz="472"/>
             </a:lvl9pPr>
           </a:lstStyle>
           <a:p>
             <a:pPr lvl="0"/>
             <a:r>
-              <a:rPr lang="zh-TW" altLang="en-US" smtClean="0"/>
+              <a:rPr lang="zh-TW" altLang="en-US"/>
               <a:t>編輯母片文字樣式</a:t>
             </a:r>
           </a:p>
@@ -2336,7 +2338,7 @@
       </p:sp>
       <p:sp>
         <p:nvSpPr>
-          <p:cNvPr id="5" name="日期版面配置區 4"/>
+          <p:cNvPr id="5" name="Date Placeholder 4"/>
           <p:cNvSpPr>
             <a:spLocks noGrp="1"/>
           </p:cNvSpPr>
@@ -2359,7 +2361,7 @@
       </p:sp>
       <p:sp>
         <p:nvSpPr>
-          <p:cNvPr id="6" name="頁尾版面配置區 5"/>
+          <p:cNvPr id="6" name="Footer Placeholder 5"/>
           <p:cNvSpPr>
             <a:spLocks noGrp="1"/>
           </p:cNvSpPr>
@@ -2378,7 +2380,7 @@
       </p:sp>
       <p:sp>
         <p:nvSpPr>
-          <p:cNvPr id="7" name="投影片編號版面配置區 6"/>
+          <p:cNvPr id="7" name="Slide Number Placeholder 6"/>
           <p:cNvSpPr>
             <a:spLocks noGrp="1"/>
           </p:cNvSpPr>
@@ -2402,7 +2404,7 @@
     </p:spTree>
     <p:extLst>
       <p:ext uri="{BB962C8B-B14F-4D97-AF65-F5344CB8AC3E}">
-        <p14:creationId xmlns:p14="http://schemas.microsoft.com/office/powerpoint/2010/main" val="1374097518"/>
+        <p14:creationId xmlns:p14="http://schemas.microsoft.com/office/powerpoint/2010/main" val="2272843946"/>
       </p:ext>
     </p:extLst>
   </p:cSld>
@@ -2436,7 +2438,7 @@
       </p:grpSpPr>
       <p:sp>
         <p:nvSpPr>
-          <p:cNvPr id="2" name="標題版面配置區 1"/>
+          <p:cNvPr id="2" name="Title Placeholder 1"/>
           <p:cNvSpPr>
             <a:spLocks noGrp="1"/>
           </p:cNvSpPr>
@@ -2446,8 +2448,8 @@
         </p:nvSpPr>
         <p:spPr>
           <a:xfrm>
-            <a:off x="838200" y="365125"/>
-            <a:ext cx="10515600" cy="1325563"/>
+            <a:off x="296972" y="191691"/>
+            <a:ext cx="3725645" cy="695921"/>
           </a:xfrm>
           <a:prstGeom prst="rect">
             <a:avLst/>
@@ -2460,16 +2462,16 @@
           <a:lstStyle/>
           <a:p>
             <a:r>
-              <a:rPr lang="zh-TW" altLang="en-US" smtClean="0"/>
+              <a:rPr lang="zh-TW" altLang="en-US"/>
               <a:t>按一下以編輯母片標題樣式</a:t>
             </a:r>
-            <a:endParaRPr lang="zh-TW" altLang="en-US"/>
-          </a:p>
-        </p:txBody>
-      </p:sp>
-      <p:sp>
-        <p:nvSpPr>
-          <p:cNvPr id="3" name="文字版面配置區 2"/>
+            <a:endParaRPr lang="en-US" dirty="0"/>
+          </a:p>
+        </p:txBody>
+      </p:sp>
+      <p:sp>
+        <p:nvSpPr>
+          <p:cNvPr id="3" name="Text Placeholder 2"/>
           <p:cNvSpPr>
             <a:spLocks noGrp="1"/>
           </p:cNvSpPr>
@@ -2479,8 +2481,8 @@
         </p:nvSpPr>
         <p:spPr>
           <a:xfrm>
-            <a:off x="838200" y="1825625"/>
-            <a:ext cx="10515600" cy="4351338"/>
+            <a:off x="296972" y="958453"/>
+            <a:ext cx="3725645" cy="2284452"/>
           </a:xfrm>
           <a:prstGeom prst="rect">
             <a:avLst/>
@@ -2494,44 +2496,44 @@
           <a:p>
             <a:pPr lvl="0"/>
             <a:r>
-              <a:rPr lang="zh-TW" altLang="en-US" smtClean="0"/>
+              <a:rPr lang="zh-TW" altLang="en-US"/>
               <a:t>編輯母片文字樣式</a:t>
             </a:r>
           </a:p>
           <a:p>
             <a:pPr lvl="1"/>
             <a:r>
-              <a:rPr lang="zh-TW" altLang="en-US" smtClean="0"/>
+              <a:rPr lang="zh-TW" altLang="en-US"/>
               <a:t>第二層</a:t>
             </a:r>
           </a:p>
           <a:p>
             <a:pPr lvl="2"/>
             <a:r>
-              <a:rPr lang="zh-TW" altLang="en-US" smtClean="0"/>
+              <a:rPr lang="zh-TW" altLang="en-US"/>
               <a:t>第三層</a:t>
             </a:r>
           </a:p>
           <a:p>
             <a:pPr lvl="3"/>
             <a:r>
-              <a:rPr lang="zh-TW" altLang="en-US" smtClean="0"/>
+              <a:rPr lang="zh-TW" altLang="en-US"/>
               <a:t>第四層</a:t>
             </a:r>
           </a:p>
           <a:p>
             <a:pPr lvl="4"/>
             <a:r>
-              <a:rPr lang="zh-TW" altLang="en-US" smtClean="0"/>
+              <a:rPr lang="zh-TW" altLang="en-US"/>
               <a:t>第五層</a:t>
             </a:r>
-            <a:endParaRPr lang="zh-TW" altLang="en-US"/>
-          </a:p>
-        </p:txBody>
-      </p:sp>
-      <p:sp>
-        <p:nvSpPr>
-          <p:cNvPr id="4" name="日期版面配置區 3"/>
+            <a:endParaRPr lang="en-US" dirty="0"/>
+          </a:p>
+        </p:txBody>
+      </p:sp>
+      <p:sp>
+        <p:nvSpPr>
+          <p:cNvPr id="4" name="Date Placeholder 3"/>
           <p:cNvSpPr>
             <a:spLocks noGrp="1"/>
           </p:cNvSpPr>
@@ -2541,8 +2543,8 @@
         </p:nvSpPr>
         <p:spPr>
           <a:xfrm>
-            <a:off x="838200" y="6356350"/>
-            <a:ext cx="2743200" cy="365125"/>
+            <a:off x="296972" y="3337084"/>
+            <a:ext cx="971907" cy="191691"/>
           </a:xfrm>
           <a:prstGeom prst="rect">
             <a:avLst/>
@@ -2552,7 +2554,7 @@
           <a:bodyPr vert="horz" lIns="91440" tIns="45720" rIns="91440" bIns="45720" rtlCol="0" anchor="ctr"/>
           <a:lstStyle>
             <a:lvl1pPr algn="l">
-              <a:defRPr sz="1200">
+              <a:defRPr sz="567">
                 <a:solidFill>
                   <a:schemeClr val="tx1">
                     <a:tint val="75000"/>
@@ -2572,7 +2574,7 @@
       </p:sp>
       <p:sp>
         <p:nvSpPr>
-          <p:cNvPr id="5" name="頁尾版面配置區 4"/>
+          <p:cNvPr id="5" name="Footer Placeholder 4"/>
           <p:cNvSpPr>
             <a:spLocks noGrp="1"/>
           </p:cNvSpPr>
@@ -2582,8 +2584,8 @@
         </p:nvSpPr>
         <p:spPr>
           <a:xfrm>
-            <a:off x="4038600" y="6356350"/>
-            <a:ext cx="4114800" cy="365125"/>
+            <a:off x="1430864" y="3337084"/>
+            <a:ext cx="1457861" cy="191691"/>
           </a:xfrm>
           <a:prstGeom prst="rect">
             <a:avLst/>
@@ -2593,7 +2595,7 @@
           <a:bodyPr vert="horz" lIns="91440" tIns="45720" rIns="91440" bIns="45720" rtlCol="0" anchor="ctr"/>
           <a:lstStyle>
             <a:lvl1pPr algn="ctr">
-              <a:defRPr sz="1200">
+              <a:defRPr sz="567">
                 <a:solidFill>
                   <a:schemeClr val="tx1">
                     <a:tint val="75000"/>
@@ -2609,7 +2611,7 @@
       </p:sp>
       <p:sp>
         <p:nvSpPr>
-          <p:cNvPr id="6" name="投影片編號版面配置區 5"/>
+          <p:cNvPr id="6" name="Slide Number Placeholder 5"/>
           <p:cNvSpPr>
             <a:spLocks noGrp="1"/>
           </p:cNvSpPr>
@@ -2619,8 +2621,8 @@
         </p:nvSpPr>
         <p:spPr>
           <a:xfrm>
-            <a:off x="8610600" y="6356350"/>
-            <a:ext cx="2743200" cy="365125"/>
+            <a:off x="3050709" y="3337084"/>
+            <a:ext cx="971907" cy="191691"/>
           </a:xfrm>
           <a:prstGeom prst="rect">
             <a:avLst/>
@@ -2630,7 +2632,7 @@
           <a:bodyPr vert="horz" lIns="91440" tIns="45720" rIns="91440" bIns="45720" rtlCol="0" anchor="ctr"/>
           <a:lstStyle>
             <a:lvl1pPr algn="r">
-              <a:defRPr sz="1200">
+              <a:defRPr sz="567">
                 <a:solidFill>
                   <a:schemeClr val="tx1">
                     <a:tint val="75000"/>
@@ -2651,27 +2653,27 @@
     </p:spTree>
     <p:extLst>
       <p:ext uri="{BB962C8B-B14F-4D97-AF65-F5344CB8AC3E}">
-        <p14:creationId xmlns:p14="http://schemas.microsoft.com/office/powerpoint/2010/main" val="2636395222"/>
+        <p14:creationId xmlns:p14="http://schemas.microsoft.com/office/powerpoint/2010/main" val="3023600222"/>
       </p:ext>
     </p:extLst>
   </p:cSld>
   <p:clrMap bg1="lt1" tx1="dk1" bg2="lt2" tx2="dk2" accent1="accent1" accent2="accent2" accent3="accent3" accent4="accent4" accent5="accent5" accent6="accent6" hlink="hlink" folHlink="folHlink"/>
   <p:sldLayoutIdLst>
-    <p:sldLayoutId id="2147483649" r:id="rId1"/>
-    <p:sldLayoutId id="2147483650" r:id="rId2"/>
-    <p:sldLayoutId id="2147483651" r:id="rId3"/>
-    <p:sldLayoutId id="2147483652" r:id="rId4"/>
-    <p:sldLayoutId id="2147483653" r:id="rId5"/>
-    <p:sldLayoutId id="2147483654" r:id="rId6"/>
-    <p:sldLayoutId id="2147483655" r:id="rId7"/>
-    <p:sldLayoutId id="2147483656" r:id="rId8"/>
-    <p:sldLayoutId id="2147483657" r:id="rId9"/>
-    <p:sldLayoutId id="2147483658" r:id="rId10"/>
-    <p:sldLayoutId id="2147483659" r:id="rId11"/>
+    <p:sldLayoutId id="2147483685" r:id="rId1"/>
+    <p:sldLayoutId id="2147483686" r:id="rId2"/>
+    <p:sldLayoutId id="2147483687" r:id="rId3"/>
+    <p:sldLayoutId id="2147483688" r:id="rId4"/>
+    <p:sldLayoutId id="2147483689" r:id="rId5"/>
+    <p:sldLayoutId id="2147483690" r:id="rId6"/>
+    <p:sldLayoutId id="2147483691" r:id="rId7"/>
+    <p:sldLayoutId id="2147483692" r:id="rId8"/>
+    <p:sldLayoutId id="2147483693" r:id="rId9"/>
+    <p:sldLayoutId id="2147483694" r:id="rId10"/>
+    <p:sldLayoutId id="2147483695" r:id="rId11"/>
   </p:sldLayoutIdLst>
   <p:txStyles>
     <p:titleStyle>
-      <a:lvl1pPr algn="l" defTabSz="914400" rtl="0" eaLnBrk="1" latinLnBrk="0" hangingPunct="1">
+      <a:lvl1pPr algn="l" defTabSz="431963" rtl="0" eaLnBrk="1" latinLnBrk="0" hangingPunct="1">
         <a:lnSpc>
           <a:spcPct val="90000"/>
         </a:lnSpc>
@@ -2679,7 +2681,7 @@
           <a:spcPct val="0"/>
         </a:spcBef>
         <a:buNone/>
-        <a:defRPr sz="4400" kern="1200">
+        <a:defRPr sz="2079" kern="1200">
           <a:solidFill>
             <a:schemeClr val="tx1"/>
           </a:solidFill>
@@ -2690,16 +2692,16 @@
       </a:lvl1pPr>
     </p:titleStyle>
     <p:bodyStyle>
-      <a:lvl1pPr marL="228600" indent="-228600" algn="l" defTabSz="914400" rtl="0" eaLnBrk="1" latinLnBrk="0" hangingPunct="1">
+      <a:lvl1pPr marL="107991" indent="-107991" algn="l" defTabSz="431963" rtl="0" eaLnBrk="1" latinLnBrk="0" hangingPunct="1">
         <a:lnSpc>
           <a:spcPct val="90000"/>
         </a:lnSpc>
         <a:spcBef>
-          <a:spcPts val="1000"/>
+          <a:spcPts val="472"/>
         </a:spcBef>
         <a:buFont typeface="Arial" panose="020B0604020202020204" pitchFamily="34" charset="0"/>
         <a:buChar char="•"/>
-        <a:defRPr sz="2800" kern="1200">
+        <a:defRPr sz="1323" kern="1200">
           <a:solidFill>
             <a:schemeClr val="tx1"/>
           </a:solidFill>
@@ -2708,16 +2710,16 @@
           <a:cs typeface="+mn-cs"/>
         </a:defRPr>
       </a:lvl1pPr>
-      <a:lvl2pPr marL="685800" indent="-228600" algn="l" defTabSz="914400" rtl="0" eaLnBrk="1" latinLnBrk="0" hangingPunct="1">
+      <a:lvl2pPr marL="323972" indent="-107991" algn="l" defTabSz="431963" rtl="0" eaLnBrk="1" latinLnBrk="0" hangingPunct="1">
         <a:lnSpc>
           <a:spcPct val="90000"/>
         </a:lnSpc>
         <a:spcBef>
-          <a:spcPts val="500"/>
+          <a:spcPts val="236"/>
         </a:spcBef>
         <a:buFont typeface="Arial" panose="020B0604020202020204" pitchFamily="34" charset="0"/>
         <a:buChar char="•"/>
-        <a:defRPr sz="2400" kern="1200">
+        <a:defRPr sz="1134" kern="1200">
           <a:solidFill>
             <a:schemeClr val="tx1"/>
           </a:solidFill>
@@ -2726,16 +2728,16 @@
           <a:cs typeface="+mn-cs"/>
         </a:defRPr>
       </a:lvl2pPr>
-      <a:lvl3pPr marL="1143000" indent="-228600" algn="l" defTabSz="914400" rtl="0" eaLnBrk="1" latinLnBrk="0" hangingPunct="1">
+      <a:lvl3pPr marL="539953" indent="-107991" algn="l" defTabSz="431963" rtl="0" eaLnBrk="1" latinLnBrk="0" hangingPunct="1">
         <a:lnSpc>
           <a:spcPct val="90000"/>
         </a:lnSpc>
         <a:spcBef>
-          <a:spcPts val="500"/>
+          <a:spcPts val="236"/>
         </a:spcBef>
         <a:buFont typeface="Arial" panose="020B0604020202020204" pitchFamily="34" charset="0"/>
         <a:buChar char="•"/>
-        <a:defRPr sz="2000" kern="1200">
+        <a:defRPr sz="945" kern="1200">
           <a:solidFill>
             <a:schemeClr val="tx1"/>
           </a:solidFill>
@@ -2744,16 +2746,16 @@
           <a:cs typeface="+mn-cs"/>
         </a:defRPr>
       </a:lvl3pPr>
-      <a:lvl4pPr marL="1600200" indent="-228600" algn="l" defTabSz="914400" rtl="0" eaLnBrk="1" latinLnBrk="0" hangingPunct="1">
+      <a:lvl4pPr marL="755934" indent="-107991" algn="l" defTabSz="431963" rtl="0" eaLnBrk="1" latinLnBrk="0" hangingPunct="1">
         <a:lnSpc>
           <a:spcPct val="90000"/>
         </a:lnSpc>
         <a:spcBef>
-          <a:spcPts val="500"/>
+          <a:spcPts val="236"/>
         </a:spcBef>
         <a:buFont typeface="Arial" panose="020B0604020202020204" pitchFamily="34" charset="0"/>
         <a:buChar char="•"/>
-        <a:defRPr sz="1800" kern="1200">
+        <a:defRPr sz="850" kern="1200">
           <a:solidFill>
             <a:schemeClr val="tx1"/>
           </a:solidFill>
@@ -2762,16 +2764,16 @@
           <a:cs typeface="+mn-cs"/>
         </a:defRPr>
       </a:lvl4pPr>
-      <a:lvl5pPr marL="2057400" indent="-228600" algn="l" defTabSz="914400" rtl="0" eaLnBrk="1" latinLnBrk="0" hangingPunct="1">
+      <a:lvl5pPr marL="971916" indent="-107991" algn="l" defTabSz="431963" rtl="0" eaLnBrk="1" latinLnBrk="0" hangingPunct="1">
         <a:lnSpc>
           <a:spcPct val="90000"/>
         </a:lnSpc>
         <a:spcBef>
-          <a:spcPts val="500"/>
+          <a:spcPts val="236"/>
         </a:spcBef>
         <a:buFont typeface="Arial" panose="020B0604020202020204" pitchFamily="34" charset="0"/>
         <a:buChar char="•"/>
-        <a:defRPr sz="1800" kern="1200">
+        <a:defRPr sz="850" kern="1200">
           <a:solidFill>
             <a:schemeClr val="tx1"/>
           </a:solidFill>
@@ -2780,16 +2782,16 @@
           <a:cs typeface="+mn-cs"/>
         </a:defRPr>
       </a:lvl5pPr>
-      <a:lvl6pPr marL="2514600" indent="-228600" algn="l" defTabSz="914400" rtl="0" eaLnBrk="1" latinLnBrk="0" hangingPunct="1">
+      <a:lvl6pPr marL="1187897" indent="-107991" algn="l" defTabSz="431963" rtl="0" eaLnBrk="1" latinLnBrk="0" hangingPunct="1">
         <a:lnSpc>
           <a:spcPct val="90000"/>
         </a:lnSpc>
         <a:spcBef>
-          <a:spcPts val="500"/>
+          <a:spcPts val="236"/>
         </a:spcBef>
         <a:buFont typeface="Arial" panose="020B0604020202020204" pitchFamily="34" charset="0"/>
         <a:buChar char="•"/>
-        <a:defRPr sz="1800" kern="1200">
+        <a:defRPr sz="850" kern="1200">
           <a:solidFill>
             <a:schemeClr val="tx1"/>
           </a:solidFill>
@@ -2798,16 +2800,16 @@
           <a:cs typeface="+mn-cs"/>
         </a:defRPr>
       </a:lvl6pPr>
-      <a:lvl7pPr marL="2971800" indent="-228600" algn="l" defTabSz="914400" rtl="0" eaLnBrk="1" latinLnBrk="0" hangingPunct="1">
+      <a:lvl7pPr marL="1403878" indent="-107991" algn="l" defTabSz="431963" rtl="0" eaLnBrk="1" latinLnBrk="0" hangingPunct="1">
         <a:lnSpc>
           <a:spcPct val="90000"/>
         </a:lnSpc>
         <a:spcBef>
-          <a:spcPts val="500"/>
+          <a:spcPts val="236"/>
         </a:spcBef>
         <a:buFont typeface="Arial" panose="020B0604020202020204" pitchFamily="34" charset="0"/>
         <a:buChar char="•"/>
-        <a:defRPr sz="1800" kern="1200">
+        <a:defRPr sz="850" kern="1200">
           <a:solidFill>
             <a:schemeClr val="tx1"/>
           </a:solidFill>
@@ -2816,16 +2818,16 @@
           <a:cs typeface="+mn-cs"/>
         </a:defRPr>
       </a:lvl7pPr>
-      <a:lvl8pPr marL="3429000" indent="-228600" algn="l" defTabSz="914400" rtl="0" eaLnBrk="1" latinLnBrk="0" hangingPunct="1">
+      <a:lvl8pPr marL="1619860" indent="-107991" algn="l" defTabSz="431963" rtl="0" eaLnBrk="1" latinLnBrk="0" hangingPunct="1">
         <a:lnSpc>
           <a:spcPct val="90000"/>
         </a:lnSpc>
         <a:spcBef>
-          <a:spcPts val="500"/>
+          <a:spcPts val="236"/>
         </a:spcBef>
         <a:buFont typeface="Arial" panose="020B0604020202020204" pitchFamily="34" charset="0"/>
         <a:buChar char="•"/>
-        <a:defRPr sz="1800" kern="1200">
+        <a:defRPr sz="850" kern="1200">
           <a:solidFill>
             <a:schemeClr val="tx1"/>
           </a:solidFill>
@@ -2834,16 +2836,16 @@
           <a:cs typeface="+mn-cs"/>
         </a:defRPr>
       </a:lvl8pPr>
-      <a:lvl9pPr marL="3886200" indent="-228600" algn="l" defTabSz="914400" rtl="0" eaLnBrk="1" latinLnBrk="0" hangingPunct="1">
+      <a:lvl9pPr marL="1835841" indent="-107991" algn="l" defTabSz="431963" rtl="0" eaLnBrk="1" latinLnBrk="0" hangingPunct="1">
         <a:lnSpc>
           <a:spcPct val="90000"/>
         </a:lnSpc>
         <a:spcBef>
-          <a:spcPts val="500"/>
+          <a:spcPts val="236"/>
         </a:spcBef>
         <a:buFont typeface="Arial" panose="020B0604020202020204" pitchFamily="34" charset="0"/>
         <a:buChar char="•"/>
-        <a:defRPr sz="1800" kern="1200">
+        <a:defRPr sz="850" kern="1200">
           <a:solidFill>
             <a:schemeClr val="tx1"/>
           </a:solidFill>
@@ -2855,10 +2857,10 @@
     </p:bodyStyle>
     <p:otherStyle>
       <a:defPPr>
-        <a:defRPr lang="zh-TW"/>
+        <a:defRPr lang="en-US"/>
       </a:defPPr>
-      <a:lvl1pPr marL="0" algn="l" defTabSz="914400" rtl="0" eaLnBrk="1" latinLnBrk="0" hangingPunct="1">
-        <a:defRPr sz="1800" kern="1200">
+      <a:lvl1pPr marL="0" algn="l" defTabSz="431963" rtl="0" eaLnBrk="1" latinLnBrk="0" hangingPunct="1">
+        <a:defRPr sz="850" kern="1200">
           <a:solidFill>
             <a:schemeClr val="tx1"/>
           </a:solidFill>
@@ -2867,8 +2869,8 @@
           <a:cs typeface="+mn-cs"/>
         </a:defRPr>
       </a:lvl1pPr>
-      <a:lvl2pPr marL="457200" algn="l" defTabSz="914400" rtl="0" eaLnBrk="1" latinLnBrk="0" hangingPunct="1">
-        <a:defRPr sz="1800" kern="1200">
+      <a:lvl2pPr marL="215981" algn="l" defTabSz="431963" rtl="0" eaLnBrk="1" latinLnBrk="0" hangingPunct="1">
+        <a:defRPr sz="850" kern="1200">
           <a:solidFill>
             <a:schemeClr val="tx1"/>
           </a:solidFill>
@@ -2877,8 +2879,8 @@
           <a:cs typeface="+mn-cs"/>
         </a:defRPr>
       </a:lvl2pPr>
-      <a:lvl3pPr marL="914400" algn="l" defTabSz="914400" rtl="0" eaLnBrk="1" latinLnBrk="0" hangingPunct="1">
-        <a:defRPr sz="1800" kern="1200">
+      <a:lvl3pPr marL="431963" algn="l" defTabSz="431963" rtl="0" eaLnBrk="1" latinLnBrk="0" hangingPunct="1">
+        <a:defRPr sz="850" kern="1200">
           <a:solidFill>
             <a:schemeClr val="tx1"/>
           </a:solidFill>
@@ -2887,8 +2889,8 @@
           <a:cs typeface="+mn-cs"/>
         </a:defRPr>
       </a:lvl3pPr>
-      <a:lvl4pPr marL="1371600" algn="l" defTabSz="914400" rtl="0" eaLnBrk="1" latinLnBrk="0" hangingPunct="1">
-        <a:defRPr sz="1800" kern="1200">
+      <a:lvl4pPr marL="647944" algn="l" defTabSz="431963" rtl="0" eaLnBrk="1" latinLnBrk="0" hangingPunct="1">
+        <a:defRPr sz="850" kern="1200">
           <a:solidFill>
             <a:schemeClr val="tx1"/>
           </a:solidFill>
@@ -2897,8 +2899,8 @@
           <a:cs typeface="+mn-cs"/>
         </a:defRPr>
       </a:lvl4pPr>
-      <a:lvl5pPr marL="1828800" algn="l" defTabSz="914400" rtl="0" eaLnBrk="1" latinLnBrk="0" hangingPunct="1">
-        <a:defRPr sz="1800" kern="1200">
+      <a:lvl5pPr marL="863925" algn="l" defTabSz="431963" rtl="0" eaLnBrk="1" latinLnBrk="0" hangingPunct="1">
+        <a:defRPr sz="850" kern="1200">
           <a:solidFill>
             <a:schemeClr val="tx1"/>
           </a:solidFill>
@@ -2907,8 +2909,8 @@
           <a:cs typeface="+mn-cs"/>
         </a:defRPr>
       </a:lvl5pPr>
-      <a:lvl6pPr marL="2286000" algn="l" defTabSz="914400" rtl="0" eaLnBrk="1" latinLnBrk="0" hangingPunct="1">
-        <a:defRPr sz="1800" kern="1200">
+      <a:lvl6pPr marL="1079906" algn="l" defTabSz="431963" rtl="0" eaLnBrk="1" latinLnBrk="0" hangingPunct="1">
+        <a:defRPr sz="850" kern="1200">
           <a:solidFill>
             <a:schemeClr val="tx1"/>
           </a:solidFill>
@@ -2917,8 +2919,8 @@
           <a:cs typeface="+mn-cs"/>
         </a:defRPr>
       </a:lvl6pPr>
-      <a:lvl7pPr marL="2743200" algn="l" defTabSz="914400" rtl="0" eaLnBrk="1" latinLnBrk="0" hangingPunct="1">
-        <a:defRPr sz="1800" kern="1200">
+      <a:lvl7pPr marL="1295888" algn="l" defTabSz="431963" rtl="0" eaLnBrk="1" latinLnBrk="0" hangingPunct="1">
+        <a:defRPr sz="850" kern="1200">
           <a:solidFill>
             <a:schemeClr val="tx1"/>
           </a:solidFill>
@@ -2927,8 +2929,8 @@
           <a:cs typeface="+mn-cs"/>
         </a:defRPr>
       </a:lvl7pPr>
-      <a:lvl8pPr marL="3200400" algn="l" defTabSz="914400" rtl="0" eaLnBrk="1" latinLnBrk="0" hangingPunct="1">
-        <a:defRPr sz="1800" kern="1200">
+      <a:lvl8pPr marL="1511869" algn="l" defTabSz="431963" rtl="0" eaLnBrk="1" latinLnBrk="0" hangingPunct="1">
+        <a:defRPr sz="850" kern="1200">
           <a:solidFill>
             <a:schemeClr val="tx1"/>
           </a:solidFill>
@@ -2937,8 +2939,8 @@
           <a:cs typeface="+mn-cs"/>
         </a:defRPr>
       </a:lvl8pPr>
-      <a:lvl9pPr marL="3657600" algn="l" defTabSz="914400" rtl="0" eaLnBrk="1" latinLnBrk="0" hangingPunct="1">
-        <a:defRPr sz="1800" kern="1200">
+      <a:lvl9pPr marL="1727850" algn="l" defTabSz="431963" rtl="0" eaLnBrk="1" latinLnBrk="0" hangingPunct="1">
+        <a:defRPr sz="850" kern="1200">
           <a:solidFill>
             <a:schemeClr val="tx1"/>
           </a:solidFill>
@@ -2969,21 +2971,236 @@
           <a:chExt cx="0" cy="0"/>
         </a:xfrm>
       </p:grpSpPr>
-      <p:sp>
-        <p:nvSpPr>
-          <p:cNvPr id="3" name="標題 2"/>
-          <p:cNvSpPr>
-            <a:spLocks noGrp="1"/>
-          </p:cNvSpPr>
-          <p:nvPr>
-            <p:ph type="ctrTitle"/>
-          </p:nvPr>
-        </p:nvSpPr>
-        <p:spPr/>
-        <p:txBody>
-          <a:bodyPr/>
-          <a:lstStyle/>
-          <a:p>
+      <p:grpSp>
+        <p:nvGrpSpPr>
+          <p:cNvPr id="4" name="Google Shape;91;p17">
+            <a:extLst>
+              <a:ext uri="{FF2B5EF4-FFF2-40B4-BE49-F238E27FC236}">
+                <a16:creationId xmlns:a16="http://schemas.microsoft.com/office/drawing/2014/main" id="{0C0A6337-C8B3-4597-BB16-920617E8EDBC}"/>
+              </a:ext>
+            </a:extLst>
+          </p:cNvPr>
+          <p:cNvGrpSpPr/>
+          <p:nvPr/>
+        </p:nvGrpSpPr>
+        <p:grpSpPr>
+          <a:xfrm>
+            <a:off x="65314" y="51366"/>
+            <a:ext cx="4090231" cy="3497718"/>
+            <a:chOff x="5218375" y="1288075"/>
+            <a:chExt cx="3680847" cy="3147637"/>
+          </a:xfrm>
+        </p:grpSpPr>
+        <p:pic>
+          <p:nvPicPr>
+            <p:cNvPr id="5" name="Google Shape;92;p17">
+              <a:extLst>
+                <a:ext uri="{FF2B5EF4-FFF2-40B4-BE49-F238E27FC236}">
+                  <a16:creationId xmlns:a16="http://schemas.microsoft.com/office/drawing/2014/main" id="{998B1520-BD75-4A03-897F-9FB741EF7DF5}"/>
+                </a:ext>
+              </a:extLst>
+            </p:cNvPr>
+            <p:cNvPicPr preferRelativeResize="0"/>
+            <p:nvPr/>
+          </p:nvPicPr>
+          <p:blipFill rotWithShape="1">
+            <a:blip r:embed="rId2">
+              <a:alphaModFix/>
+            </a:blip>
+            <a:srcRect t="68130"/>
+            <a:stretch/>
+          </p:blipFill>
+          <p:spPr>
+            <a:xfrm>
+              <a:off x="5218375" y="1693244"/>
+              <a:ext cx="3680847" cy="572699"/>
+            </a:xfrm>
+            <a:prstGeom prst="rect">
+              <a:avLst/>
+            </a:prstGeom>
+            <a:noFill/>
+            <a:ln>
+              <a:solidFill>
+                <a:schemeClr val="accent1"/>
+              </a:solidFill>
+              <a:prstDash val="lgDash"/>
+            </a:ln>
+          </p:spPr>
+        </p:pic>
+        <p:pic>
+          <p:nvPicPr>
+            <p:cNvPr id="6" name="Google Shape;93;p17">
+              <a:extLst>
+                <a:ext uri="{FF2B5EF4-FFF2-40B4-BE49-F238E27FC236}">
+                  <a16:creationId xmlns:a16="http://schemas.microsoft.com/office/drawing/2014/main" id="{28BDD1D8-8B60-4C6E-B5C0-043FBF38C708}"/>
+                </a:ext>
+              </a:extLst>
+            </p:cNvPr>
+            <p:cNvPicPr preferRelativeResize="0"/>
+            <p:nvPr/>
+          </p:nvPicPr>
+          <p:blipFill>
+            <a:blip r:embed="rId3">
+              <a:alphaModFix/>
+            </a:blip>
+            <a:stretch>
+              <a:fillRect/>
+            </a:stretch>
+          </p:blipFill>
+          <p:spPr>
+            <a:xfrm>
+              <a:off x="5218375" y="2323738"/>
+              <a:ext cx="3680847" cy="2111974"/>
+            </a:xfrm>
+            <a:prstGeom prst="rect">
+              <a:avLst/>
+            </a:prstGeom>
+            <a:noFill/>
+            <a:ln>
+              <a:solidFill>
+                <a:srgbClr val="0070C0"/>
+              </a:solidFill>
+            </a:ln>
+          </p:spPr>
+        </p:pic>
+        <p:pic>
+          <p:nvPicPr>
+            <p:cNvPr id="7" name="Google Shape;94;p17">
+              <a:extLst>
+                <a:ext uri="{FF2B5EF4-FFF2-40B4-BE49-F238E27FC236}">
+                  <a16:creationId xmlns:a16="http://schemas.microsoft.com/office/drawing/2014/main" id="{512376F5-3E03-4C96-8563-4981206B6C4E}"/>
+                </a:ext>
+              </a:extLst>
+            </p:cNvPr>
+            <p:cNvPicPr preferRelativeResize="0"/>
+            <p:nvPr/>
+          </p:nvPicPr>
+          <p:blipFill rotWithShape="1">
+            <a:blip r:embed="rId2">
+              <a:alphaModFix/>
+            </a:blip>
+            <a:srcRect b="78097"/>
+            <a:stretch/>
+          </p:blipFill>
+          <p:spPr>
+            <a:xfrm>
+              <a:off x="5218375" y="1288075"/>
+              <a:ext cx="3541902" cy="393599"/>
+            </a:xfrm>
+            <a:prstGeom prst="rect">
+              <a:avLst/>
+            </a:prstGeom>
+            <a:noFill/>
+            <a:ln>
+              <a:noFill/>
+            </a:ln>
+          </p:spPr>
+        </p:pic>
+      </p:grpSp>
+      <p:sp>
+        <p:nvSpPr>
+          <p:cNvPr id="2" name="矩形 1">
+            <a:extLst>
+              <a:ext uri="{FF2B5EF4-FFF2-40B4-BE49-F238E27FC236}">
+                <a16:creationId xmlns:a16="http://schemas.microsoft.com/office/drawing/2014/main" id="{D3297CC0-56FB-4BEC-8327-EFC49020B88F}"/>
+              </a:ext>
+            </a:extLst>
+          </p:cNvPr>
+          <p:cNvSpPr/>
+          <p:nvPr/>
+        </p:nvSpPr>
+        <p:spPr>
+          <a:xfrm>
+            <a:off x="1105319" y="788796"/>
+            <a:ext cx="1969477" cy="236136"/>
+          </a:xfrm>
+          <a:prstGeom prst="rect">
+            <a:avLst/>
+          </a:prstGeom>
+          <a:solidFill>
+            <a:srgbClr val="98C87A">
+              <a:alpha val="14902"/>
+            </a:srgbClr>
+          </a:solidFill>
+          <a:ln>
+            <a:noFill/>
+          </a:ln>
+        </p:spPr>
+        <p:style>
+          <a:lnRef idx="2">
+            <a:schemeClr val="accent1">
+              <a:shade val="50000"/>
+            </a:schemeClr>
+          </a:lnRef>
+          <a:fillRef idx="1">
+            <a:schemeClr val="accent1"/>
+          </a:fillRef>
+          <a:effectRef idx="0">
+            <a:schemeClr val="accent1"/>
+          </a:effectRef>
+          <a:fontRef idx="minor">
+            <a:schemeClr val="lt1"/>
+          </a:fontRef>
+        </p:style>
+        <p:txBody>
+          <a:bodyPr rtlCol="0" anchor="ctr"/>
+          <a:lstStyle/>
+          <a:p>
+            <a:pPr algn="ctr"/>
+            <a:endParaRPr lang="zh-TW" altLang="en-US"/>
+          </a:p>
+        </p:txBody>
+      </p:sp>
+      <p:sp>
+        <p:nvSpPr>
+          <p:cNvPr id="8" name="矩形 7">
+            <a:extLst>
+              <a:ext uri="{FF2B5EF4-FFF2-40B4-BE49-F238E27FC236}">
+                <a16:creationId xmlns:a16="http://schemas.microsoft.com/office/drawing/2014/main" id="{93356933-0A90-4629-BA17-A7531E61FF9A}"/>
+              </a:ext>
+            </a:extLst>
+          </p:cNvPr>
+          <p:cNvSpPr/>
+          <p:nvPr/>
+        </p:nvSpPr>
+        <p:spPr>
+          <a:xfrm>
+            <a:off x="1592664" y="1607736"/>
+            <a:ext cx="2125226" cy="125606"/>
+          </a:xfrm>
+          <a:prstGeom prst="rect">
+            <a:avLst/>
+          </a:prstGeom>
+          <a:solidFill>
+            <a:srgbClr val="98C87A">
+              <a:alpha val="14902"/>
+            </a:srgbClr>
+          </a:solidFill>
+          <a:ln>
+            <a:noFill/>
+          </a:ln>
+        </p:spPr>
+        <p:style>
+          <a:lnRef idx="2">
+            <a:schemeClr val="accent1">
+              <a:shade val="50000"/>
+            </a:schemeClr>
+          </a:lnRef>
+          <a:fillRef idx="1">
+            <a:schemeClr val="accent1"/>
+          </a:fillRef>
+          <a:effectRef idx="0">
+            <a:schemeClr val="accent1"/>
+          </a:effectRef>
+          <a:fontRef idx="minor">
+            <a:schemeClr val="lt1"/>
+          </a:fontRef>
+        </p:style>
+        <p:txBody>
+          <a:bodyPr rtlCol="0" anchor="ctr"/>
+          <a:lstStyle/>
+          <a:p>
+            <a:pPr algn="ctr"/>
             <a:endParaRPr lang="zh-TW" altLang="en-US"/>
           </a:p>
         </p:txBody>
@@ -3004,7 +3221,7 @@
 <file path=ppt/theme/theme1.xml><?xml version="1.0" encoding="utf-8"?>
 <a:theme xmlns:a="http://schemas.openxmlformats.org/drawingml/2006/main" name="Office 佈景主題">
   <a:themeElements>
-    <a:clrScheme name="Office">
+    <a:clrScheme name="Office 佈景主題">
       <a:dk1>
         <a:sysClr val="windowText" lastClr="000000"/>
       </a:dk1>
@@ -3018,7 +3235,7 @@
         <a:srgbClr val="E7E6E6"/>
       </a:lt2>
       <a:accent1>
-        <a:srgbClr val="5B9BD5"/>
+        <a:srgbClr val="4472C4"/>
       </a:accent1>
       <a:accent2>
         <a:srgbClr val="ED7D31"/>
@@ -3030,7 +3247,7 @@
         <a:srgbClr val="FFC000"/>
       </a:accent4>
       <a:accent5>
-        <a:srgbClr val="4472C4"/>
+        <a:srgbClr val="5B9BD5"/>
       </a:accent5>
       <a:accent6>
         <a:srgbClr val="70AD47"/>
@@ -3042,7 +3259,7 @@
         <a:srgbClr val="954F72"/>
       </a:folHlink>
     </a:clrScheme>
-    <a:fontScheme name="Office">
+    <a:fontScheme name="Office 佈景主題">
       <a:majorFont>
         <a:latin typeface="Calibri Light" panose="020F0302020204030204"/>
         <a:ea typeface=""/>
@@ -3114,7 +3331,7 @@
         <a:font script="Geor" typeface="Sylfaen"/>
       </a:minorFont>
     </a:fontScheme>
-    <a:fmtScheme name="Office">
+    <a:fmtScheme name="Office 佈景主題">
       <a:fillStyleLst>
         <a:solidFill>
           <a:schemeClr val="phClr"/>
